--- a/Freedom Riders Combined.pptx
+++ b/Freedom Riders Combined.pptx
@@ -5,34 +5,35 @@
     <p:sldMasterId id="2147483648" r:id="rId1"/>
   </p:sldMasterIdLst>
   <p:notesMasterIdLst>
-    <p:notesMasterId r:id="rId27"/>
+    <p:notesMasterId r:id="rId28"/>
   </p:notesMasterIdLst>
   <p:sldIdLst>
     <p:sldId id="256" r:id="rId2"/>
     <p:sldId id="257" r:id="rId3"/>
     <p:sldId id="293" r:id="rId4"/>
-    <p:sldId id="277" r:id="rId5"/>
-    <p:sldId id="278" r:id="rId6"/>
-    <p:sldId id="279" r:id="rId7"/>
-    <p:sldId id="280" r:id="rId8"/>
-    <p:sldId id="273" r:id="rId9"/>
-    <p:sldId id="274" r:id="rId10"/>
-    <p:sldId id="258" r:id="rId11"/>
-    <p:sldId id="270" r:id="rId12"/>
-    <p:sldId id="271" r:id="rId13"/>
-    <p:sldId id="259" r:id="rId14"/>
-    <p:sldId id="276" r:id="rId15"/>
-    <p:sldId id="291" r:id="rId16"/>
-    <p:sldId id="265" r:id="rId17"/>
-    <p:sldId id="266" r:id="rId18"/>
-    <p:sldId id="267" r:id="rId19"/>
-    <p:sldId id="283" r:id="rId20"/>
-    <p:sldId id="285" r:id="rId21"/>
-    <p:sldId id="287" r:id="rId22"/>
-    <p:sldId id="288" r:id="rId23"/>
-    <p:sldId id="290" r:id="rId24"/>
-    <p:sldId id="269" r:id="rId25"/>
-    <p:sldId id="294" r:id="rId26"/>
+    <p:sldId id="295" r:id="rId5"/>
+    <p:sldId id="277" r:id="rId6"/>
+    <p:sldId id="278" r:id="rId7"/>
+    <p:sldId id="279" r:id="rId8"/>
+    <p:sldId id="280" r:id="rId9"/>
+    <p:sldId id="273" r:id="rId10"/>
+    <p:sldId id="274" r:id="rId11"/>
+    <p:sldId id="258" r:id="rId12"/>
+    <p:sldId id="270" r:id="rId13"/>
+    <p:sldId id="271" r:id="rId14"/>
+    <p:sldId id="259" r:id="rId15"/>
+    <p:sldId id="276" r:id="rId16"/>
+    <p:sldId id="291" r:id="rId17"/>
+    <p:sldId id="265" r:id="rId18"/>
+    <p:sldId id="266" r:id="rId19"/>
+    <p:sldId id="267" r:id="rId20"/>
+    <p:sldId id="283" r:id="rId21"/>
+    <p:sldId id="285" r:id="rId22"/>
+    <p:sldId id="287" r:id="rId23"/>
+    <p:sldId id="288" r:id="rId24"/>
+    <p:sldId id="290" r:id="rId25"/>
+    <p:sldId id="269" r:id="rId26"/>
+    <p:sldId id="294" r:id="rId27"/>
   </p:sldIdLst>
   <p:sldSz cx="12192000" cy="6858000"/>
   <p:notesSz cx="6858000" cy="9144000"/>
@@ -3833,7 +3834,7 @@
         </p:nvSpPr>
         <p:spPr>
           <a:xfrm>
-            <a:off x="6072445" y="2951041"/>
+            <a:off x="6072443" y="1364133"/>
             <a:ext cx="5319433" cy="2076333"/>
           </a:xfrm>
         </p:spPr>
@@ -3893,8 +3894,8 @@
         </p:nvSpPr>
         <p:spPr>
           <a:xfrm>
-            <a:off x="6072446" y="1869680"/>
-            <a:ext cx="5319431" cy="972180"/>
+            <a:off x="6094089" y="1915366"/>
+            <a:ext cx="5319431" cy="3501877"/>
           </a:xfrm>
         </p:spPr>
         <p:txBody>
@@ -3902,6 +3903,17 @@
             <a:normAutofit/>
           </a:bodyPr>
           <a:lstStyle/>
+          <a:p>
+            <a:pPr algn="l"/>
+            <a:r>
+              <a:rPr lang="en-US" sz="2800" dirty="0">
+                <a:solidFill>
+                  <a:schemeClr val="bg1"/>
+                </a:solidFill>
+              </a:rPr>
+              <a:t>Team: Freedom Riders</a:t>
+            </a:r>
+          </a:p>
           <a:p>
             <a:pPr algn="l"/>
             <a:r>
@@ -3910,8 +3922,75 @@
                   <a:schemeClr val="bg1"/>
                 </a:solidFill>
               </a:rPr>
-              <a:t>Team: Freedom Riders</a:t>
-            </a:r>
+              <a:t>	Nicole Brands</a:t>
+            </a:r>
+          </a:p>
+          <a:p>
+            <a:pPr algn="l"/>
+            <a:r>
+              <a:rPr lang="en-US" sz="1400" dirty="0">
+                <a:solidFill>
+                  <a:schemeClr val="bg1"/>
+                </a:solidFill>
+              </a:rPr>
+              <a:t>	Denise </a:t>
+            </a:r>
+            <a:r>
+              <a:rPr lang="en-US" sz="1400" dirty="0" err="1">
+                <a:solidFill>
+                  <a:schemeClr val="bg1"/>
+                </a:solidFill>
+              </a:rPr>
+              <a:t>Claridy</a:t>
+            </a:r>
+            <a:endParaRPr lang="en-US" sz="1400" dirty="0">
+              <a:solidFill>
+                <a:schemeClr val="bg1"/>
+              </a:solidFill>
+            </a:endParaRPr>
+          </a:p>
+          <a:p>
+            <a:pPr algn="l"/>
+            <a:r>
+              <a:rPr lang="en-US" sz="1400" dirty="0">
+                <a:solidFill>
+                  <a:schemeClr val="bg1"/>
+                </a:solidFill>
+              </a:rPr>
+              <a:t>	Jennifer Klimek	</a:t>
+            </a:r>
+          </a:p>
+          <a:p>
+            <a:pPr algn="l"/>
+            <a:r>
+              <a:rPr lang="en-US" sz="1400" dirty="0">
+                <a:solidFill>
+                  <a:schemeClr val="bg1"/>
+                </a:solidFill>
+              </a:rPr>
+              <a:t>	Jacob </a:t>
+            </a:r>
+            <a:r>
+              <a:rPr lang="en-US" sz="1400" dirty="0" err="1">
+                <a:solidFill>
+                  <a:schemeClr val="bg1"/>
+                </a:solidFill>
+              </a:rPr>
+              <a:t>Nolff</a:t>
+            </a:r>
+            <a:endParaRPr lang="en-US" sz="1400" dirty="0">
+              <a:solidFill>
+                <a:schemeClr val="bg1"/>
+              </a:solidFill>
+            </a:endParaRPr>
+          </a:p>
+          <a:p>
+            <a:pPr algn="l"/>
+            <a:endParaRPr lang="en-US" sz="1400" dirty="0">
+              <a:solidFill>
+                <a:schemeClr val="bg1"/>
+              </a:solidFill>
+            </a:endParaRPr>
           </a:p>
           <a:p>
             <a:pPr algn="l"/>
@@ -3922,17 +4001,6 @@
                 </a:solidFill>
               </a:rPr>
               <a:t>Project #1</a:t>
-            </a:r>
-          </a:p>
-          <a:p>
-            <a:pPr algn="l"/>
-            <a:r>
-              <a:rPr lang="en-US" sz="1400" dirty="0">
-                <a:solidFill>
-                  <a:schemeClr val="bg1"/>
-                </a:solidFill>
-              </a:rPr>
-              <a:t>July 18, 2019</a:t>
             </a:r>
           </a:p>
         </p:txBody>
@@ -4376,6 +4444,74 @@
 </file>
 
 <file path=ppt/slides/slide10.xml><?xml version="1.0" encoding="utf-8"?>
+<p:sld xmlns:a="http://schemas.openxmlformats.org/drawingml/2006/main" xmlns:r="http://schemas.openxmlformats.org/officeDocument/2006/relationships" xmlns:p="http://schemas.openxmlformats.org/presentationml/2006/main" show="0">
+  <p:cSld>
+    <p:spTree>
+      <p:nvGrpSpPr>
+        <p:cNvPr id="1" name=""/>
+        <p:cNvGrpSpPr/>
+        <p:nvPr/>
+      </p:nvGrpSpPr>
+      <p:grpSpPr>
+        <a:xfrm>
+          <a:off x="0" y="0"/>
+          <a:ext cx="0" cy="0"/>
+          <a:chOff x="0" y="0"/>
+          <a:chExt cx="0" cy="0"/>
+        </a:xfrm>
+      </p:grpSpPr>
+      <p:pic>
+        <p:nvPicPr>
+          <p:cNvPr id="6" name="Picture 5" descr="A close up of a map&#10;&#10;Description automatically generated">
+            <a:extLst>
+              <a:ext uri="{FF2B5EF4-FFF2-40B4-BE49-F238E27FC236}">
+                <a16:creationId xmlns:a16="http://schemas.microsoft.com/office/drawing/2014/main" id="{2575CD47-EBA3-4849-B18C-E9ED684DA7BA}"/>
+              </a:ext>
+            </a:extLst>
+          </p:cNvPr>
+          <p:cNvPicPr>
+            <a:picLocks noChangeAspect="1"/>
+          </p:cNvPicPr>
+          <p:nvPr/>
+        </p:nvPicPr>
+        <p:blipFill rotWithShape="1">
+          <a:blip r:embed="rId2">
+            <a:extLst>
+              <a:ext uri="{28A0092B-C50C-407E-A947-70E740481C1C}">
+                <a14:useLocalDpi xmlns:a14="http://schemas.microsoft.com/office/drawing/2010/main" val="0"/>
+              </a:ext>
+            </a:extLst>
+          </a:blip>
+          <a:srcRect b="1194"/>
+          <a:stretch/>
+        </p:blipFill>
+        <p:spPr>
+          <a:xfrm>
+            <a:off x="1524000" y="81888"/>
+            <a:ext cx="9144000" cy="6776112"/>
+          </a:xfrm>
+          <a:prstGeom prst="rect">
+            <a:avLst/>
+          </a:prstGeom>
+        </p:spPr>
+      </p:pic>
+    </p:spTree>
+    <p:extLst>
+      <p:ext uri="{BB962C8B-B14F-4D97-AF65-F5344CB8AC3E}">
+        <p14:creationId xmlns:p14="http://schemas.microsoft.com/office/powerpoint/2010/main" val="58592940"/>
+      </p:ext>
+    </p:extLst>
+  </p:cSld>
+  <p:clrMapOvr>
+    <a:masterClrMapping/>
+  </p:clrMapOvr>
+  <p:transition>
+    <p:split orient="vert"/>
+  </p:transition>
+</p:sld>
+</file>
+
+<file path=ppt/slides/slide11.xml><?xml version="1.0" encoding="utf-8"?>
 <p:sld xmlns:a="http://schemas.openxmlformats.org/drawingml/2006/main" xmlns:r="http://schemas.openxmlformats.org/officeDocument/2006/relationships" xmlns:p="http://schemas.openxmlformats.org/presentationml/2006/main">
   <p:cSld>
     <p:bg>
@@ -4730,7 +4866,7 @@
 </p:sld>
 </file>
 
-<file path=ppt/slides/slide11.xml><?xml version="1.0" encoding="utf-8"?>
+<file path=ppt/slides/slide12.xml><?xml version="1.0" encoding="utf-8"?>
 <p:sld xmlns:a="http://schemas.openxmlformats.org/drawingml/2006/main" xmlns:r="http://schemas.openxmlformats.org/officeDocument/2006/relationships" xmlns:p="http://schemas.openxmlformats.org/presentationml/2006/main">
   <p:cSld>
     <p:bg>
@@ -5230,7 +5366,7 @@
 </p:sld>
 </file>
 
-<file path=ppt/slides/slide12.xml><?xml version="1.0" encoding="utf-8"?>
+<file path=ppt/slides/slide13.xml><?xml version="1.0" encoding="utf-8"?>
 <p:sld xmlns:a="http://schemas.openxmlformats.org/drawingml/2006/main" xmlns:r="http://schemas.openxmlformats.org/officeDocument/2006/relationships" xmlns:p="http://schemas.openxmlformats.org/presentationml/2006/main">
   <p:cSld>
     <p:bg>
@@ -5718,7 +5854,7 @@
 </p:sld>
 </file>
 
-<file path=ppt/slides/slide13.xml><?xml version="1.0" encoding="utf-8"?>
+<file path=ppt/slides/slide14.xml><?xml version="1.0" encoding="utf-8"?>
 <p:sld xmlns:a="http://schemas.openxmlformats.org/drawingml/2006/main" xmlns:r="http://schemas.openxmlformats.org/officeDocument/2006/relationships" xmlns:p="http://schemas.openxmlformats.org/presentationml/2006/main">
   <p:cSld>
     <p:bg>
@@ -5943,7 +6079,7 @@
           <a:p>
             <a:r>
               <a:rPr lang="en-US" sz="4000" dirty="0"/>
-              <a:t>Questions</a:t>
+              <a:t>Question</a:t>
             </a:r>
           </a:p>
         </p:txBody>
@@ -6025,7 +6161,7 @@
         </p:spPr>
         <p:txBody>
           <a:bodyPr>
-            <a:normAutofit/>
+            <a:normAutofit lnSpcReduction="10000"/>
           </a:bodyPr>
           <a:lstStyle/>
           <a:p>
@@ -6040,37 +6176,7 @@
             </a:pPr>
             <a:r>
               <a:rPr lang="en-US" sz="2000" dirty="0"/>
-              <a:t>What is the portion of the World distribution by class from Free to Repressed? </a:t>
-            </a:r>
-          </a:p>
-          <a:p>
-            <a:pPr marL="457200" indent="-457200">
-              <a:lnSpc>
-                <a:spcPct val="100000"/>
-              </a:lnSpc>
-              <a:buClr>
-                <a:srgbClr val="00B0F0"/>
-              </a:buClr>
-              <a:buAutoNum type="arabicPeriod"/>
-            </a:pPr>
-            <a:r>
-              <a:rPr lang="en-US" sz="2000" dirty="0"/>
-              <a:t>Which countries have the greatest Economic Freedom?</a:t>
-            </a:r>
-          </a:p>
-          <a:p>
-            <a:pPr marL="457200" indent="-457200">
-              <a:lnSpc>
-                <a:spcPct val="100000"/>
-              </a:lnSpc>
-              <a:buClr>
-                <a:srgbClr val="00B0F0"/>
-              </a:buClr>
-              <a:buAutoNum type="arabicPeriod"/>
-            </a:pPr>
-            <a:r>
-              <a:rPr lang="en-US" sz="2000" dirty="0"/>
-              <a:t>Which countries have the least Economic Freedom?</a:t>
+              <a:t>Is Economic Freedom defined by how much money a country generates? </a:t>
             </a:r>
           </a:p>
           <a:p>
@@ -6086,7 +6192,7 @@
             </a:pPr>
             <a:r>
               <a:rPr lang="en-US" sz="2000" dirty="0"/>
-              <a:t>Which countries had the most positive changes between 2010 and 2019?</a:t>
+              <a:t>What is the distribution of countries by class from Free to Repressed? </a:t>
             </a:r>
           </a:p>
           <a:p>
@@ -6102,7 +6208,7 @@
             </a:pPr>
             <a:r>
               <a:rPr lang="en-US" sz="2000" dirty="0"/>
-              <a:t>Which countries had the most negative changes between 2010 and 2019?</a:t>
+              <a:t>How did average Economic Freedom scores change, by region, from 2010 to 2019?</a:t>
             </a:r>
           </a:p>
           <a:p>
@@ -6118,15 +6224,66 @@
             </a:pPr>
             <a:r>
               <a:rPr lang="en-US" sz="2000" dirty="0"/>
-              <a:t>Which geographic regions associate to the most positive and negative changes?</a:t>
-            </a:r>
-            <a:endParaRPr lang="en-US" sz="1600" dirty="0"/>
+              <a:t>How did the United States’ factors change, by year, from 2010 to 2019?</a:t>
+            </a:r>
           </a:p>
           <a:p>
             <a:pPr marL="457200" indent="-457200">
               <a:lnSpc>
                 <a:spcPct val="100000"/>
               </a:lnSpc>
+              <a:buClr>
+                <a:srgbClr val="00B0F0"/>
+              </a:buClr>
+              <a:buFont typeface="Arial" panose="020B0604020202020204" pitchFamily="34" charset="0"/>
+              <a:buAutoNum type="arabicPeriod"/>
+            </a:pPr>
+            <a:r>
+              <a:rPr lang="en-US" sz="2000" dirty="0"/>
+              <a:t>Which factors drive Economic Freedom Index score globally?</a:t>
+            </a:r>
+          </a:p>
+          <a:p>
+            <a:pPr marL="457200" indent="-457200">
+              <a:lnSpc>
+                <a:spcPct val="100000"/>
+              </a:lnSpc>
+              <a:buClr>
+                <a:srgbClr val="00B0F0"/>
+              </a:buClr>
+              <a:buFont typeface="Arial" panose="020B0604020202020204" pitchFamily="34" charset="0"/>
+              <a:buAutoNum type="arabicPeriod"/>
+            </a:pPr>
+            <a:r>
+              <a:rPr lang="en-US" sz="2000" dirty="0"/>
+              <a:t>Which countries had the greatest change, both negative and positive, between 2010 and 2019?</a:t>
+            </a:r>
+          </a:p>
+          <a:p>
+            <a:pPr marL="457200" indent="-457200">
+              <a:lnSpc>
+                <a:spcPct val="100000"/>
+              </a:lnSpc>
+              <a:buClr>
+                <a:srgbClr val="00B0F0"/>
+              </a:buClr>
+              <a:buFont typeface="Arial" panose="020B0604020202020204" pitchFamily="34" charset="0"/>
+              <a:buAutoNum type="arabicPeriod"/>
+            </a:pPr>
+            <a:r>
+              <a:rPr lang="en-US" sz="2000" dirty="0"/>
+              <a:t>Where does the United States fall in relation to highest and lowest countries?</a:t>
+            </a:r>
+            <a:endParaRPr lang="en-US" sz="1600" dirty="0"/>
+          </a:p>
+          <a:p>
+            <a:pPr marL="457200" indent="-457200">
+              <a:lnSpc>
+                <a:spcPct val="100000"/>
+              </a:lnSpc>
+              <a:buClr>
+                <a:srgbClr val="00B0F0"/>
+              </a:buClr>
               <a:buAutoNum type="arabicPeriod"/>
             </a:pPr>
             <a:endParaRPr lang="en-US" sz="2000" dirty="0"/>
@@ -6149,7 +6306,7 @@
 </p:sld>
 </file>
 
-<file path=ppt/slides/slide14.xml><?xml version="1.0" encoding="utf-8"?>
+<file path=ppt/slides/slide15.xml><?xml version="1.0" encoding="utf-8"?>
 <p:sld xmlns:a="http://schemas.openxmlformats.org/drawingml/2006/main" xmlns:r="http://schemas.openxmlformats.org/officeDocument/2006/relationships" xmlns:p="http://schemas.openxmlformats.org/presentationml/2006/main">
   <p:cSld>
     <p:bg>
@@ -6416,41 +6573,6 @@
           </a:p>
         </p:txBody>
       </p:sp>
-      <p:pic>
-        <p:nvPicPr>
-          <p:cNvPr id="10" name="Content Placeholder 6">
-            <a:extLst>
-              <a:ext uri="{FF2B5EF4-FFF2-40B4-BE49-F238E27FC236}">
-                <a16:creationId xmlns:a16="http://schemas.microsoft.com/office/drawing/2014/main" id="{74D351D0-1B84-4ECA-AD9C-094C08A05E82}"/>
-              </a:ext>
-            </a:extLst>
-          </p:cNvPr>
-          <p:cNvPicPr>
-            <a:picLocks noChangeAspect="1"/>
-          </p:cNvPicPr>
-          <p:nvPr/>
-        </p:nvPicPr>
-        <p:blipFill rotWithShape="1">
-          <a:blip r:embed="rId2">
-            <a:extLst>
-              <a:ext uri="{28A0092B-C50C-407E-A947-70E740481C1C}">
-                <a14:useLocalDpi xmlns:a14="http://schemas.microsoft.com/office/drawing/2010/main" val="0"/>
-              </a:ext>
-            </a:extLst>
-          </a:blip>
-          <a:srcRect l="14444" t="5406" r="346" b="16612"/>
-          <a:stretch/>
-        </p:blipFill>
-        <p:spPr>
-          <a:xfrm>
-            <a:off x="4769938" y="514012"/>
-            <a:ext cx="7421285" cy="5654130"/>
-          </a:xfrm>
-          <a:prstGeom prst="rect">
-            <a:avLst/>
-          </a:prstGeom>
-        </p:spPr>
-      </p:pic>
       <p:cxnSp>
         <p:nvCxnSpPr>
           <p:cNvPr id="13" name="Straight Connector 12">
@@ -6492,6 +6614,41 @@
           </a:fontRef>
         </p:style>
       </p:cxnSp>
+      <p:pic>
+        <p:nvPicPr>
+          <p:cNvPr id="7" name="Picture 6" descr="A close up of a logo&#10;&#10;Description automatically generated">
+            <a:extLst>
+              <a:ext uri="{FF2B5EF4-FFF2-40B4-BE49-F238E27FC236}">
+                <a16:creationId xmlns:a16="http://schemas.microsoft.com/office/drawing/2014/main" id="{106CB2FF-F792-4C8F-92FB-38DD73982BF5}"/>
+              </a:ext>
+            </a:extLst>
+          </p:cNvPr>
+          <p:cNvPicPr>
+            <a:picLocks noChangeAspect="1"/>
+          </p:cNvPicPr>
+          <p:nvPr/>
+        </p:nvPicPr>
+        <p:blipFill rotWithShape="1">
+          <a:blip r:embed="rId2">
+            <a:extLst>
+              <a:ext uri="{28A0092B-C50C-407E-A947-70E740481C1C}">
+                <a14:useLocalDpi xmlns:a14="http://schemas.microsoft.com/office/drawing/2010/main" val="0"/>
+              </a:ext>
+            </a:extLst>
+          </a:blip>
+          <a:srcRect l="9215" b="14714"/>
+          <a:stretch/>
+        </p:blipFill>
+        <p:spPr>
+          <a:xfrm>
+            <a:off x="4656318" y="384154"/>
+            <a:ext cx="7533883" cy="5897931"/>
+          </a:xfrm>
+          <a:prstGeom prst="rect">
+            <a:avLst/>
+          </a:prstGeom>
+        </p:spPr>
+      </p:pic>
     </p:spTree>
     <p:extLst>
       <p:ext uri="{BB962C8B-B14F-4D97-AF65-F5344CB8AC3E}">
@@ -6508,7 +6665,7 @@
 </p:sld>
 </file>
 
-<file path=ppt/slides/slide15.xml><?xml version="1.0" encoding="utf-8"?>
+<file path=ppt/slides/slide16.xml><?xml version="1.0" encoding="utf-8"?>
 <p:sld xmlns:a="http://schemas.openxmlformats.org/drawingml/2006/main" xmlns:r="http://schemas.openxmlformats.org/officeDocument/2006/relationships" xmlns:p="http://schemas.openxmlformats.org/presentationml/2006/main" show="0">
   <p:cSld>
     <p:spTree>
@@ -6527,10 +6684,10 @@
       </p:grpSpPr>
       <p:pic>
         <p:nvPicPr>
-          <p:cNvPr id="3" name="Content Placeholder 6">
-            <a:extLst>
-              <a:ext uri="{FF2B5EF4-FFF2-40B4-BE49-F238E27FC236}">
-                <a16:creationId xmlns:a16="http://schemas.microsoft.com/office/drawing/2014/main" id="{B8A79FE5-6C6B-4CE4-9637-B493D7D2BC36}"/>
+          <p:cNvPr id="5" name="Picture 4" descr="A close up of a logo&#10;&#10;Description automatically generated">
+            <a:extLst>
+              <a:ext uri="{FF2B5EF4-FFF2-40B4-BE49-F238E27FC236}">
+                <a16:creationId xmlns:a16="http://schemas.microsoft.com/office/drawing/2014/main" id="{7B19AA14-2667-42E0-8334-4846D9A4D618}"/>
               </a:ext>
             </a:extLst>
           </p:cNvPr>
@@ -6547,13 +6704,13 @@
               </a:ext>
             </a:extLst>
           </a:blip>
-          <a:srcRect l="14444" t="5406" r="346" b="16612"/>
+          <a:srcRect l="6498" b="14714"/>
           <a:stretch/>
         </p:blipFill>
         <p:spPr>
           <a:xfrm>
-            <a:off x="3482437" y="124989"/>
-            <a:ext cx="8574010" cy="6532368"/>
+            <a:off x="2894698" y="-1"/>
+            <a:ext cx="8997912" cy="6839385"/>
           </a:xfrm>
           <a:prstGeom prst="rect">
             <a:avLst/>
@@ -6645,536 +6802,6 @@
     <p:extLst>
       <p:ext uri="{BB962C8B-B14F-4D97-AF65-F5344CB8AC3E}">
         <p14:creationId xmlns:p14="http://schemas.microsoft.com/office/powerpoint/2010/main" val="843182286"/>
-      </p:ext>
-    </p:extLst>
-  </p:cSld>
-  <p:clrMapOvr>
-    <a:masterClrMapping/>
-  </p:clrMapOvr>
-  <p:transition>
-    <p:split orient="vert"/>
-  </p:transition>
-</p:sld>
-</file>
-
-<file path=ppt/slides/slide16.xml><?xml version="1.0" encoding="utf-8"?>
-<p:sld xmlns:a="http://schemas.openxmlformats.org/drawingml/2006/main" xmlns:r="http://schemas.openxmlformats.org/officeDocument/2006/relationships" xmlns:p="http://schemas.openxmlformats.org/presentationml/2006/main">
-  <p:cSld>
-    <p:bg>
-      <p:bgPr>
-        <a:solidFill>
-          <a:schemeClr val="bg1"/>
-        </a:solidFill>
-        <a:effectLst/>
-      </p:bgPr>
-    </p:bg>
-    <p:spTree>
-      <p:nvGrpSpPr>
-        <p:cNvPr id="1" name=""/>
-        <p:cNvGrpSpPr/>
-        <p:nvPr/>
-      </p:nvGrpSpPr>
-      <p:grpSpPr>
-        <a:xfrm>
-          <a:off x="0" y="0"/>
-          <a:ext cx="0" cy="0"/>
-          <a:chOff x="0" y="0"/>
-          <a:chExt cx="0" cy="0"/>
-        </a:xfrm>
-      </p:grpSpPr>
-      <p:sp>
-        <p:nvSpPr>
-          <p:cNvPr id="11" name="Rectangle 10">
-            <a:extLst>
-              <a:ext uri="{FF2B5EF4-FFF2-40B4-BE49-F238E27FC236}">
-                <a16:creationId xmlns:a16="http://schemas.microsoft.com/office/drawing/2014/main" id="{CDA1A2E9-63FE-408D-A803-8E306ECAB4B3}"/>
-              </a:ext>
-              <a:ext uri="{C183D7F6-B498-43B3-948B-1728B52AA6E4}">
-                <adec:decorative xmlns:adec="http://schemas.microsoft.com/office/drawing/2017/decorative" val="1"/>
-              </a:ext>
-            </a:extLst>
-          </p:cNvPr>
-          <p:cNvSpPr>
-            <a:spLocks noGrp="1" noRot="1" noChangeAspect="1" noMove="1" noResize="1" noEditPoints="1" noAdjustHandles="1" noChangeArrowheads="1" noChangeShapeType="1" noTextEdit="1"/>
-          </p:cNvSpPr>
-          <p:nvPr>
-            <p:extLst>
-              <p:ext uri="{386F3935-93C4-4BCD-93E2-E3B085C9AB24}">
-                <p16:designElem xmlns:p16="http://schemas.microsoft.com/office/powerpoint/2015/main" val="1"/>
-              </p:ext>
-            </p:extLst>
-          </p:nvPr>
-        </p:nvSpPr>
-        <p:spPr>
-          <a:xfrm>
-            <a:off x="462058" y="450221"/>
-            <a:ext cx="11272742" cy="3918123"/>
-          </a:xfrm>
-          <a:prstGeom prst="rect">
-            <a:avLst/>
-          </a:prstGeom>
-          <a:solidFill>
-            <a:srgbClr val="404040">
-              <a:alpha val="95000"/>
-            </a:srgbClr>
-          </a:solidFill>
-          <a:ln w="25400">
-            <a:noFill/>
-          </a:ln>
-        </p:spPr>
-        <p:style>
-          <a:lnRef idx="2">
-            <a:schemeClr val="accent1">
-              <a:shade val="50000"/>
-            </a:schemeClr>
-          </a:lnRef>
-          <a:fillRef idx="1">
-            <a:schemeClr val="accent1"/>
-          </a:fillRef>
-          <a:effectRef idx="0">
-            <a:schemeClr val="accent1"/>
-          </a:effectRef>
-          <a:fontRef idx="minor">
-            <a:schemeClr val="lt1"/>
-          </a:fontRef>
-        </p:style>
-        <p:txBody>
-          <a:bodyPr rtlCol="0" anchor="ctr"/>
-          <a:lstStyle/>
-          <a:p>
-            <a:pPr marL="0" marR="0" lvl="0" indent="0" algn="ctr" defTabSz="914400" rtl="0" eaLnBrk="1" fontAlgn="auto" latinLnBrk="0" hangingPunct="1">
-              <a:lnSpc>
-                <a:spcPct val="100000"/>
-              </a:lnSpc>
-              <a:spcBef>
-                <a:spcPts val="0"/>
-              </a:spcBef>
-              <a:spcAft>
-                <a:spcPts val="0"/>
-              </a:spcAft>
-              <a:buClrTx/>
-              <a:buSzTx/>
-              <a:buFontTx/>
-              <a:buNone/>
-              <a:tabLst/>
-              <a:defRPr/>
-            </a:pPr>
-            <a:endParaRPr kumimoji="0" lang="en-US" sz="1800" b="0" i="0" u="none" strike="noStrike" kern="1200" cap="none" spc="0" normalizeH="0" baseline="0" noProof="0">
-              <a:ln>
-                <a:noFill/>
-              </a:ln>
-              <a:solidFill>
-                <a:srgbClr val="404040"/>
-              </a:solidFill>
-              <a:effectLst/>
-              <a:uLnTx/>
-              <a:uFillTx/>
-              <a:latin typeface="Calibri" panose="020F0502020204030204"/>
-              <a:ea typeface="+mn-ea"/>
-              <a:cs typeface="+mn-cs"/>
-            </a:endParaRPr>
-          </a:p>
-        </p:txBody>
-      </p:sp>
-      <p:sp>
-        <p:nvSpPr>
-          <p:cNvPr id="2" name="Title 1">
-            <a:extLst>
-              <a:ext uri="{FF2B5EF4-FFF2-40B4-BE49-F238E27FC236}">
-                <a16:creationId xmlns:a16="http://schemas.microsoft.com/office/drawing/2014/main" id="{03B1199F-89E8-4D86-BBC6-B05C761A1FAA}"/>
-              </a:ext>
-            </a:extLst>
-          </p:cNvPr>
-          <p:cNvSpPr>
-            <a:spLocks noGrp="1"/>
-          </p:cNvSpPr>
-          <p:nvPr>
-            <p:ph type="ctrTitle"/>
-          </p:nvPr>
-        </p:nvSpPr>
-        <p:spPr>
-          <a:xfrm>
-            <a:off x="1100669" y="1111086"/>
-            <a:ext cx="10011831" cy="2623885"/>
-          </a:xfrm>
-        </p:spPr>
-        <p:txBody>
-          <a:bodyPr anchor="ctr">
-            <a:normAutofit fontScale="90000"/>
-          </a:bodyPr>
-          <a:lstStyle/>
-          <a:p>
-            <a:pPr algn="l"/>
-            <a:r>
-              <a:rPr lang="en-US" sz="4200" dirty="0">
-                <a:solidFill>
-                  <a:srgbClr val="FFFFFF"/>
-                </a:solidFill>
-              </a:rPr>
-              <a:t>Which countries (</a:t>
-            </a:r>
-            <a:r>
-              <a:rPr lang="en-US" sz="4200" b="1" u="sng" dirty="0">
-                <a:solidFill>
-                  <a:srgbClr val="FFFFFF"/>
-                </a:solidFill>
-              </a:rPr>
-              <a:t>by region</a:t>
-            </a:r>
-            <a:r>
-              <a:rPr lang="en-US" sz="4200" dirty="0">
-                <a:solidFill>
-                  <a:srgbClr val="FFFFFF"/>
-                </a:solidFill>
-              </a:rPr>
-              <a:t>) have the highest &amp; lowest overall average scores for the years of </a:t>
-            </a:r>
-            <a:br>
-              <a:rPr lang="en-US" sz="4200" b="1" dirty="0">
-                <a:ln w="22225">
-                  <a:solidFill>
-                    <a:schemeClr val="accent2"/>
-                  </a:solidFill>
-                  <a:prstDash val="solid"/>
-                </a:ln>
-                <a:solidFill>
-                  <a:srgbClr val="FFFFFF"/>
-                </a:solidFill>
-              </a:rPr>
-            </a:br>
-            <a:r>
-              <a:rPr lang="en-US" sz="4200" dirty="0">
-                <a:solidFill>
-                  <a:srgbClr val="FFFFFF"/>
-                </a:solidFill>
-              </a:rPr>
-              <a:t>2010 &amp; 2019?</a:t>
-            </a:r>
-            <a:br>
-              <a:rPr lang="en-US" sz="4200" dirty="0">
-                <a:solidFill>
-                  <a:srgbClr val="FFFFFF"/>
-                </a:solidFill>
-              </a:rPr>
-            </a:br>
-            <a:endParaRPr lang="en-US" sz="4200" dirty="0">
-              <a:solidFill>
-                <a:srgbClr val="FFFFFF"/>
-              </a:solidFill>
-            </a:endParaRPr>
-          </a:p>
-        </p:txBody>
-      </p:sp>
-      <p:sp>
-        <p:nvSpPr>
-          <p:cNvPr id="13" name="Rectangle 12">
-            <a:extLst>
-              <a:ext uri="{FF2B5EF4-FFF2-40B4-BE49-F238E27FC236}">
-                <a16:creationId xmlns:a16="http://schemas.microsoft.com/office/drawing/2014/main" id="{FBE9F90C-C163-435B-9A68-D15C92D1CF2B}"/>
-              </a:ext>
-              <a:ext uri="{C183D7F6-B498-43B3-948B-1728B52AA6E4}">
-                <adec:decorative xmlns:adec="http://schemas.microsoft.com/office/drawing/2017/decorative" val="1"/>
-              </a:ext>
-            </a:extLst>
-          </p:cNvPr>
-          <p:cNvSpPr>
-            <a:spLocks noGrp="1" noRot="1" noChangeAspect="1" noMove="1" noResize="1" noEditPoints="1" noAdjustHandles="1" noChangeArrowheads="1" noChangeShapeType="1" noTextEdit="1"/>
-          </p:cNvSpPr>
-          <p:nvPr>
-            <p:extLst>
-              <p:ext uri="{386F3935-93C4-4BCD-93E2-E3B085C9AB24}">
-                <p16:designElem xmlns:p16="http://schemas.microsoft.com/office/powerpoint/2015/main" val="1"/>
-              </p:ext>
-            </p:extLst>
-          </p:nvPr>
-        </p:nvSpPr>
-        <p:spPr>
-          <a:xfrm>
-            <a:off x="457200" y="4521269"/>
-            <a:ext cx="6699246" cy="1877811"/>
-          </a:xfrm>
-          <a:prstGeom prst="rect">
-            <a:avLst/>
-          </a:prstGeom>
-          <a:solidFill>
-            <a:srgbClr val="A5A5A5">
-              <a:alpha val="80000"/>
-            </a:srgbClr>
-          </a:solidFill>
-          <a:ln w="25400">
-            <a:noFill/>
-          </a:ln>
-        </p:spPr>
-        <p:style>
-          <a:lnRef idx="2">
-            <a:schemeClr val="accent1">
-              <a:shade val="50000"/>
-            </a:schemeClr>
-          </a:lnRef>
-          <a:fillRef idx="1">
-            <a:schemeClr val="accent1"/>
-          </a:fillRef>
-          <a:effectRef idx="0">
-            <a:schemeClr val="accent1"/>
-          </a:effectRef>
-          <a:fontRef idx="minor">
-            <a:schemeClr val="lt1"/>
-          </a:fontRef>
-        </p:style>
-        <p:txBody>
-          <a:bodyPr rtlCol="0" anchor="ctr"/>
-          <a:lstStyle/>
-          <a:p>
-            <a:pPr marL="0" marR="0" lvl="0" indent="0" algn="ctr" defTabSz="914400" rtl="0" eaLnBrk="1" fontAlgn="auto" latinLnBrk="0" hangingPunct="1">
-              <a:lnSpc>
-                <a:spcPct val="100000"/>
-              </a:lnSpc>
-              <a:spcBef>
-                <a:spcPts val="0"/>
-              </a:spcBef>
-              <a:spcAft>
-                <a:spcPts val="0"/>
-              </a:spcAft>
-              <a:buClrTx/>
-              <a:buSzTx/>
-              <a:buFontTx/>
-              <a:buNone/>
-              <a:tabLst/>
-              <a:defRPr/>
-            </a:pPr>
-            <a:endParaRPr kumimoji="0" lang="en-US" sz="1800" b="0" i="0" u="none" strike="noStrike" kern="1200" cap="none" spc="0" normalizeH="0" baseline="0" noProof="0">
-              <a:ln>
-                <a:noFill/>
-              </a:ln>
-              <a:solidFill>
-                <a:srgbClr val="FFFFFF"/>
-              </a:solidFill>
-              <a:effectLst/>
-              <a:uLnTx/>
-              <a:uFillTx/>
-              <a:latin typeface="Calibri" panose="020F0502020204030204"/>
-              <a:ea typeface="+mn-ea"/>
-              <a:cs typeface="+mn-cs"/>
-            </a:endParaRPr>
-          </a:p>
-        </p:txBody>
-      </p:sp>
-      <p:sp>
-        <p:nvSpPr>
-          <p:cNvPr id="3" name="Subtitle 2">
-            <a:extLst>
-              <a:ext uri="{FF2B5EF4-FFF2-40B4-BE49-F238E27FC236}">
-                <a16:creationId xmlns:a16="http://schemas.microsoft.com/office/drawing/2014/main" id="{111EB45F-F0F2-481A-972E-049642464A0E}"/>
-              </a:ext>
-            </a:extLst>
-          </p:cNvPr>
-          <p:cNvSpPr>
-            <a:spLocks noGrp="1"/>
-          </p:cNvSpPr>
-          <p:nvPr>
-            <p:ph type="subTitle" idx="1"/>
-          </p:nvPr>
-        </p:nvSpPr>
-        <p:spPr>
-          <a:xfrm>
-            <a:off x="1079500" y="4843002"/>
-            <a:ext cx="5433479" cy="1234345"/>
-          </a:xfrm>
-        </p:spPr>
-        <p:txBody>
-          <a:bodyPr anchor="ctr">
-            <a:normAutofit/>
-          </a:bodyPr>
-          <a:lstStyle/>
-          <a:p>
-            <a:pPr algn="l"/>
-            <a:r>
-              <a:rPr lang="en-US" sz="2000">
-                <a:solidFill>
-                  <a:srgbClr val="1B1B1B"/>
-                </a:solidFill>
-              </a:rPr>
-              <a:t>Use a bar chart to compare overall scores by region for the year 2010 and the year 2019 to show before and after effects of recession on the entire globe for economic freedom satisfactions.</a:t>
-            </a:r>
-          </a:p>
-        </p:txBody>
-      </p:sp>
-      <p:pic>
-        <p:nvPicPr>
-          <p:cNvPr id="6" name="Graphic 5" descr="Dollar">
-            <a:extLst>
-              <a:ext uri="{FF2B5EF4-FFF2-40B4-BE49-F238E27FC236}">
-                <a16:creationId xmlns:a16="http://schemas.microsoft.com/office/drawing/2014/main" id="{F00B80D6-DAE6-49F1-A0DD-5D759DD974F8}"/>
-              </a:ext>
-            </a:extLst>
-          </p:cNvPr>
-          <p:cNvPicPr>
-            <a:picLocks noChangeAspect="1"/>
-          </p:cNvPicPr>
-          <p:nvPr/>
-        </p:nvPicPr>
-        <p:blipFill>
-          <a:blip r:embed="rId2">
-            <a:extLst>
-              <a:ext uri="{28A0092B-C50C-407E-A947-70E740481C1C}">
-                <a14:useLocalDpi xmlns:a14="http://schemas.microsoft.com/office/drawing/2010/main" val="0"/>
-              </a:ext>
-              <a:ext uri="{96DAC541-7B7A-43D3-8B79-37D633B846F1}">
-                <asvg:svgBlip xmlns:asvg="http://schemas.microsoft.com/office/drawing/2016/SVG/main" r:embed="rId3"/>
-              </a:ext>
-            </a:extLst>
-          </a:blip>
-          <a:stretch>
-            <a:fillRect/>
-          </a:stretch>
-        </p:blipFill>
-        <p:spPr>
-          <a:xfrm>
-            <a:off x="7571572" y="4648201"/>
-            <a:ext cx="1632648" cy="1632648"/>
-          </a:xfrm>
-          <a:prstGeom prst="rect">
-            <a:avLst/>
-          </a:prstGeom>
-        </p:spPr>
-      </p:pic>
-      <p:sp>
-        <p:nvSpPr>
-          <p:cNvPr id="15" name="Rectangle 14">
-            <a:extLst>
-              <a:ext uri="{FF2B5EF4-FFF2-40B4-BE49-F238E27FC236}">
-                <a16:creationId xmlns:a16="http://schemas.microsoft.com/office/drawing/2014/main" id="{1A882A9F-F4E9-4E23-8F0B-20B5DF42EAA9}"/>
-              </a:ext>
-              <a:ext uri="{C183D7F6-B498-43B3-948B-1728B52AA6E4}">
-                <adec:decorative xmlns:adec="http://schemas.microsoft.com/office/drawing/2017/decorative" val="1"/>
-              </a:ext>
-            </a:extLst>
-          </p:cNvPr>
-          <p:cNvSpPr>
-            <a:spLocks noGrp="1" noRot="1" noChangeAspect="1" noMove="1" noResize="1" noEditPoints="1" noAdjustHandles="1" noChangeArrowheads="1" noChangeShapeType="1" noTextEdit="1"/>
-          </p:cNvSpPr>
-          <p:nvPr>
-            <p:extLst>
-              <p:ext uri="{386F3935-93C4-4BCD-93E2-E3B085C9AB24}">
-                <p16:designElem xmlns:p16="http://schemas.microsoft.com/office/powerpoint/2015/main" val="1"/>
-              </p:ext>
-            </p:extLst>
-          </p:nvPr>
-        </p:nvSpPr>
-        <p:spPr>
-          <a:xfrm>
-            <a:off x="9619345" y="4521270"/>
-            <a:ext cx="2115455" cy="1890204"/>
-          </a:xfrm>
-          <a:prstGeom prst="rect">
-            <a:avLst/>
-          </a:prstGeom>
-          <a:solidFill>
-            <a:schemeClr val="accent1">
-              <a:alpha val="95000"/>
-            </a:schemeClr>
-          </a:solidFill>
-          <a:ln w="25400">
-            <a:noFill/>
-          </a:ln>
-        </p:spPr>
-        <p:style>
-          <a:lnRef idx="2">
-            <a:schemeClr val="accent1">
-              <a:shade val="50000"/>
-            </a:schemeClr>
-          </a:lnRef>
-          <a:fillRef idx="1">
-            <a:schemeClr val="accent1"/>
-          </a:fillRef>
-          <a:effectRef idx="0">
-            <a:schemeClr val="accent1"/>
-          </a:effectRef>
-          <a:fontRef idx="minor">
-            <a:schemeClr val="lt1"/>
-          </a:fontRef>
-        </p:style>
-        <p:txBody>
-          <a:bodyPr rtlCol="0" anchor="ctr"/>
-          <a:lstStyle/>
-          <a:p>
-            <a:pPr marL="0" marR="0" lvl="0" indent="0" algn="ctr" defTabSz="914400" rtl="0" eaLnBrk="1" fontAlgn="auto" latinLnBrk="0" hangingPunct="1">
-              <a:lnSpc>
-                <a:spcPct val="100000"/>
-              </a:lnSpc>
-              <a:spcBef>
-                <a:spcPts val="0"/>
-              </a:spcBef>
-              <a:spcAft>
-                <a:spcPts val="0"/>
-              </a:spcAft>
-              <a:buClrTx/>
-              <a:buSzTx/>
-              <a:buFontTx/>
-              <a:buNone/>
-              <a:tabLst/>
-              <a:defRPr/>
-            </a:pPr>
-            <a:endParaRPr kumimoji="0" lang="en-US" sz="1800" b="0" i="0" u="none" strike="noStrike" kern="1200" cap="none" spc="0" normalizeH="0" baseline="0" noProof="0">
-              <a:ln>
-                <a:noFill/>
-              </a:ln>
-              <a:solidFill>
-                <a:srgbClr val="FFFFFF"/>
-              </a:solidFill>
-              <a:effectLst/>
-              <a:uLnTx/>
-              <a:uFillTx/>
-              <a:latin typeface="Calibri" panose="020F0502020204030204"/>
-              <a:ea typeface="+mn-ea"/>
-              <a:cs typeface="+mn-cs"/>
-            </a:endParaRPr>
-          </a:p>
-        </p:txBody>
-      </p:sp>
-      <p:pic>
-        <p:nvPicPr>
-          <p:cNvPr id="8" name="Graphic 7" descr="Smiling face with no fill">
-            <a:extLst>
-              <a:ext uri="{FF2B5EF4-FFF2-40B4-BE49-F238E27FC236}">
-                <a16:creationId xmlns:a16="http://schemas.microsoft.com/office/drawing/2014/main" id="{35C6D407-8211-4891-B0B3-0106584E15B8}"/>
-              </a:ext>
-            </a:extLst>
-          </p:cNvPr>
-          <p:cNvPicPr>
-            <a:picLocks noChangeAspect="1"/>
-          </p:cNvPicPr>
-          <p:nvPr/>
-        </p:nvPicPr>
-        <p:blipFill>
-          <a:blip r:embed="rId4">
-            <a:extLst>
-              <a:ext uri="{28A0092B-C50C-407E-A947-70E740481C1C}">
-                <a14:useLocalDpi xmlns:a14="http://schemas.microsoft.com/office/drawing/2010/main" val="0"/>
-              </a:ext>
-              <a:ext uri="{96DAC541-7B7A-43D3-8B79-37D633B846F1}">
-                <asvg:svgBlip xmlns:asvg="http://schemas.microsoft.com/office/drawing/2016/SVG/main" r:embed="rId5"/>
-              </a:ext>
-            </a:extLst>
-          </a:blip>
-          <a:stretch>
-            <a:fillRect/>
-          </a:stretch>
-        </p:blipFill>
-        <p:spPr>
-          <a:xfrm>
-            <a:off x="10143460" y="4843002"/>
-            <a:ext cx="1132072" cy="1132072"/>
-          </a:xfrm>
-          <a:prstGeom prst="rect">
-            <a:avLst/>
-          </a:prstGeom>
-        </p:spPr>
-      </p:pic>
-    </p:spTree>
-    <p:extLst>
-      <p:ext uri="{BB962C8B-B14F-4D97-AF65-F5344CB8AC3E}">
-        <p14:creationId xmlns:p14="http://schemas.microsoft.com/office/powerpoint/2010/main" val="1839267475"/>
       </p:ext>
     </p:extLst>
   </p:cSld>
@@ -7214,10 +6841,10 @@
       </p:grpSpPr>
       <p:sp>
         <p:nvSpPr>
-          <p:cNvPr id="71" name="Rectangle 70">
-            <a:extLst>
-              <a:ext uri="{FF2B5EF4-FFF2-40B4-BE49-F238E27FC236}">
-                <a16:creationId xmlns:a16="http://schemas.microsoft.com/office/drawing/2014/main" id="{AB45A142-4255-493C-8284-5D566C121B10}"/>
+          <p:cNvPr id="11" name="Rectangle 10">
+            <a:extLst>
+              <a:ext uri="{FF2B5EF4-FFF2-40B4-BE49-F238E27FC236}">
+                <a16:creationId xmlns:a16="http://schemas.microsoft.com/office/drawing/2014/main" id="{CDA1A2E9-63FE-408D-A803-8E306ECAB4B3}"/>
               </a:ext>
               <a:ext uri="{C183D7F6-B498-43B3-948B-1728B52AA6E4}">
                 <adec:decorative xmlns:adec="http://schemas.microsoft.com/office/drawing/2017/decorative" val="1"/>
@@ -7235,25 +6862,21 @@
             </p:extLst>
           </p:nvPr>
         </p:nvSpPr>
-        <p:spPr bwMode="ltGray">
-          <a:xfrm>
-            <a:off x="336884" y="321177"/>
-            <a:ext cx="4332307" cy="6179552"/>
+        <p:spPr>
+          <a:xfrm>
+            <a:off x="462058" y="450221"/>
+            <a:ext cx="11272742" cy="3918123"/>
           </a:xfrm>
           <a:prstGeom prst="rect">
             <a:avLst/>
           </a:prstGeom>
           <a:solidFill>
             <a:srgbClr val="404040">
-              <a:alpha val="89804"/>
+              <a:alpha val="95000"/>
             </a:srgbClr>
           </a:solidFill>
-          <a:ln w="127000" cap="sq" cmpd="thinThick">
-            <a:solidFill>
-              <a:srgbClr val="595959">
-                <a:alpha val="80000"/>
-              </a:srgbClr>
-            </a:solidFill>
+          <a:ln w="25400">
+            <a:noFill/>
           </a:ln>
         </p:spPr>
         <p:style>
@@ -7298,7 +6921,7 @@
                 <a:noFill/>
               </a:ln>
               <a:solidFill>
-                <a:prstClr val="white"/>
+                <a:srgbClr val="404040"/>
               </a:solidFill>
               <a:effectLst/>
               <a:uLnTx/>
@@ -7310,21 +6933,110 @@
           </a:p>
         </p:txBody>
       </p:sp>
-      <p:cxnSp>
-        <p:nvCxnSpPr>
-          <p:cNvPr id="73" name="Straight Connector 72">
-            <a:extLst>
-              <a:ext uri="{FF2B5EF4-FFF2-40B4-BE49-F238E27FC236}">
-                <a16:creationId xmlns:a16="http://schemas.microsoft.com/office/drawing/2014/main" id="{38FB9660-F42F-4313-BBC4-47C007FE484C}"/>
+      <p:sp>
+        <p:nvSpPr>
+          <p:cNvPr id="2" name="Title 1">
+            <a:extLst>
+              <a:ext uri="{FF2B5EF4-FFF2-40B4-BE49-F238E27FC236}">
+                <a16:creationId xmlns:a16="http://schemas.microsoft.com/office/drawing/2014/main" id="{03B1199F-89E8-4D86-BBC6-B05C761A1FAA}"/>
+              </a:ext>
+            </a:extLst>
+          </p:cNvPr>
+          <p:cNvSpPr>
+            <a:spLocks noGrp="1"/>
+          </p:cNvSpPr>
+          <p:nvPr>
+            <p:ph type="ctrTitle"/>
+          </p:nvPr>
+        </p:nvSpPr>
+        <p:spPr>
+          <a:xfrm>
+            <a:off x="1100669" y="1111086"/>
+            <a:ext cx="10011831" cy="2623885"/>
+          </a:xfrm>
+        </p:spPr>
+        <p:txBody>
+          <a:bodyPr anchor="ctr">
+            <a:normAutofit fontScale="90000"/>
+          </a:bodyPr>
+          <a:lstStyle/>
+          <a:p>
+            <a:pPr algn="l"/>
+            <a:r>
+              <a:rPr lang="en-US" sz="4200" dirty="0">
+                <a:solidFill>
+                  <a:srgbClr val="FFFFFF"/>
+                </a:solidFill>
+              </a:rPr>
+              <a:t>Which countries (</a:t>
+            </a:r>
+            <a:r>
+              <a:rPr lang="en-US" sz="4200" b="1" u="sng" dirty="0">
+                <a:solidFill>
+                  <a:srgbClr val="FFFFFF"/>
+                </a:solidFill>
+              </a:rPr>
+              <a:t>by region</a:t>
+            </a:r>
+            <a:r>
+              <a:rPr lang="en-US" sz="4200" dirty="0">
+                <a:solidFill>
+                  <a:srgbClr val="FFFFFF"/>
+                </a:solidFill>
+              </a:rPr>
+              <a:t>) have the highest &amp; lowest overall average scores for the years of </a:t>
+            </a:r>
+            <a:br>
+              <a:rPr lang="en-US" sz="4200" b="1" dirty="0">
+                <a:ln w="22225">
+                  <a:solidFill>
+                    <a:schemeClr val="accent2"/>
+                  </a:solidFill>
+                  <a:prstDash val="solid"/>
+                </a:ln>
+                <a:solidFill>
+                  <a:srgbClr val="FFFFFF"/>
+                </a:solidFill>
+              </a:rPr>
+            </a:br>
+            <a:r>
+              <a:rPr lang="en-US" sz="4200" dirty="0">
+                <a:solidFill>
+                  <a:srgbClr val="FFFFFF"/>
+                </a:solidFill>
+              </a:rPr>
+              <a:t>2010 &amp; 2019?</a:t>
+            </a:r>
+            <a:br>
+              <a:rPr lang="en-US" sz="4200" dirty="0">
+                <a:solidFill>
+                  <a:srgbClr val="FFFFFF"/>
+                </a:solidFill>
+              </a:rPr>
+            </a:br>
+            <a:endParaRPr lang="en-US" sz="4200" dirty="0">
+              <a:solidFill>
+                <a:srgbClr val="FFFFFF"/>
+              </a:solidFill>
+            </a:endParaRPr>
+          </a:p>
+        </p:txBody>
+      </p:sp>
+      <p:sp>
+        <p:nvSpPr>
+          <p:cNvPr id="13" name="Rectangle 12">
+            <a:extLst>
+              <a:ext uri="{FF2B5EF4-FFF2-40B4-BE49-F238E27FC236}">
+                <a16:creationId xmlns:a16="http://schemas.microsoft.com/office/drawing/2014/main" id="{FBE9F90C-C163-435B-9A68-D15C92D1CF2B}"/>
               </a:ext>
               <a:ext uri="{C183D7F6-B498-43B3-948B-1728B52AA6E4}">
                 <adec:decorative xmlns:adec="http://schemas.microsoft.com/office/drawing/2017/decorative" val="1"/>
               </a:ext>
             </a:extLst>
           </p:cNvPr>
-          <p:cNvCxnSpPr>
-            <a:cxnSpLocks noGrp="1" noRot="1" noChangeAspect="1" noMove="1" noResize="1" noEditPoints="1" noAdjustHandles="1" noChangeArrowheads="1" noChangeShapeType="1"/>
-          </p:cNvCxnSpPr>
+          <p:cNvSpPr>
+            <a:spLocks noGrp="1" noRot="1" noChangeAspect="1" noMove="1" noResize="1" noEditPoints="1" noAdjustHandles="1" noChangeArrowheads="1" noChangeShapeType="1" noTextEdit="1"/>
+          </p:cNvSpPr>
           <p:nvPr>
             <p:extLst>
               <p:ext uri="{386F3935-93C4-4BCD-93E2-E3B085C9AB24}">
@@ -7332,111 +7044,21 @@
               </p:ext>
             </p:extLst>
           </p:nvPr>
-        </p:nvCxnSpPr>
-        <p:spPr>
-          <a:xfrm>
-            <a:off x="1191126" y="3910267"/>
-            <a:ext cx="2586790" cy="0"/>
-          </a:xfrm>
-          <a:prstGeom prst="line">
-            <a:avLst/>
-          </a:prstGeom>
-          <a:ln w="22225">
-            <a:solidFill>
-              <a:srgbClr val="D9D9D9"/>
-            </a:solidFill>
-          </a:ln>
-        </p:spPr>
-        <p:style>
-          <a:lnRef idx="1">
-            <a:schemeClr val="accent1"/>
-          </a:lnRef>
-          <a:fillRef idx="0">
-            <a:schemeClr val="accent1"/>
-          </a:fillRef>
-          <a:effectRef idx="0">
-            <a:schemeClr val="accent1"/>
-          </a:effectRef>
-          <a:fontRef idx="minor">
-            <a:schemeClr val="tx1"/>
-          </a:fontRef>
-        </p:style>
-      </p:cxnSp>
-      <p:pic>
-        <p:nvPicPr>
-          <p:cNvPr id="1026" name="Picture 2">
-            <a:extLst>
-              <a:ext uri="{FF2B5EF4-FFF2-40B4-BE49-F238E27FC236}">
-                <a16:creationId xmlns:a16="http://schemas.microsoft.com/office/drawing/2014/main" id="{04AB0E2A-4176-4226-AB63-842B48D4572A}"/>
-              </a:ext>
-            </a:extLst>
-          </p:cNvPr>
-          <p:cNvPicPr>
-            <a:picLocks noGrp="1" noChangeAspect="1" noChangeArrowheads="1"/>
-          </p:cNvPicPr>
-          <p:nvPr>
-            <p:ph idx="1"/>
-          </p:nvPr>
-        </p:nvPicPr>
-        <p:blipFill>
-          <a:blip r:embed="rId2">
-            <a:extLst>
-              <a:ext uri="{28A0092B-C50C-407E-A947-70E740481C1C}">
-                <a14:useLocalDpi xmlns:a14="http://schemas.microsoft.com/office/drawing/2010/main" val="0"/>
-              </a:ext>
-            </a:extLst>
-          </a:blip>
-          <a:stretch>
-            <a:fillRect/>
-          </a:stretch>
-        </p:blipFill>
-        <p:spPr bwMode="auto">
-          <a:xfrm>
-            <a:off x="4669190" y="0"/>
-            <a:ext cx="7345601" cy="6800385"/>
-          </a:xfrm>
-          <a:prstGeom prst="rect">
-            <a:avLst/>
-          </a:prstGeom>
-          <a:noFill/>
-          <a:extLst>
-            <a:ext uri="{909E8E84-426E-40DD-AFC4-6F175D3DCCD1}">
-              <a14:hiddenFill xmlns:a14="http://schemas.microsoft.com/office/drawing/2010/main">
-                <a:solidFill>
-                  <a:srgbClr val="FFFFFF"/>
-                </a:solidFill>
-              </a14:hiddenFill>
-            </a:ext>
-          </a:extLst>
-        </p:spPr>
-      </p:pic>
-      <p:sp>
-        <p:nvSpPr>
-          <p:cNvPr id="2" name="Rectangle 1">
-            <a:extLst>
-              <a:ext uri="{FF2B5EF4-FFF2-40B4-BE49-F238E27FC236}">
-                <a16:creationId xmlns:a16="http://schemas.microsoft.com/office/drawing/2014/main" id="{B96397F0-46CB-42DD-909A-7CED89B096C6}"/>
-              </a:ext>
-            </a:extLst>
-          </p:cNvPr>
-          <p:cNvSpPr/>
-          <p:nvPr/>
-        </p:nvSpPr>
-        <p:spPr>
-          <a:xfrm>
-            <a:off x="336882" y="357271"/>
-            <a:ext cx="4332307" cy="6143458"/>
+        </p:nvSpPr>
+        <p:spPr>
+          <a:xfrm>
+            <a:off x="457200" y="4521269"/>
+            <a:ext cx="6699246" cy="1877811"/>
           </a:xfrm>
           <a:prstGeom prst="rect">
             <a:avLst/>
           </a:prstGeom>
           <a:solidFill>
-            <a:schemeClr val="tx1">
-              <a:lumMod val="65000"/>
-              <a:lumOff val="35000"/>
-            </a:schemeClr>
+            <a:srgbClr val="A5A5A5">
+              <a:alpha val="80000"/>
+            </a:srgbClr>
           </a:solidFill>
-          <a:ln>
+          <a:ln w="25400">
             <a:noFill/>
           </a:ln>
         </p:spPr>
@@ -7460,40 +7082,7 @@
           <a:bodyPr rtlCol="0" anchor="ctr"/>
           <a:lstStyle/>
           <a:p>
-            <a:pPr algn="ctr"/>
-            <a:endParaRPr lang="en-US"/>
-          </a:p>
-        </p:txBody>
-      </p:sp>
-      <p:sp>
-        <p:nvSpPr>
-          <p:cNvPr id="6" name="TextBox 5">
-            <a:extLst>
-              <a:ext uri="{FF2B5EF4-FFF2-40B4-BE49-F238E27FC236}">
-                <a16:creationId xmlns:a16="http://schemas.microsoft.com/office/drawing/2014/main" id="{CD82085C-D909-4FC0-A6A6-4C4E46D84B92}"/>
-              </a:ext>
-            </a:extLst>
-          </p:cNvPr>
-          <p:cNvSpPr txBox="1"/>
-          <p:nvPr/>
-        </p:nvSpPr>
-        <p:spPr>
-          <a:xfrm>
-            <a:off x="341883" y="357271"/>
-            <a:ext cx="4202821" cy="6063198"/>
-          </a:xfrm>
-          <a:prstGeom prst="rect">
-            <a:avLst/>
-          </a:prstGeom>
-          <a:noFill/>
-        </p:spPr>
-        <p:txBody>
-          <a:bodyPr wrap="square" rtlCol="0">
-            <a:spAutoFit/>
-          </a:bodyPr>
-          <a:lstStyle/>
-          <a:p>
-            <a:pPr marL="457200" marR="0" lvl="0" indent="-457200" algn="l" defTabSz="914400" rtl="0" eaLnBrk="1" fontAlgn="auto" latinLnBrk="0" hangingPunct="1">
+            <a:pPr marL="0" marR="0" lvl="0" indent="0" algn="ctr" defTabSz="914400" rtl="0" eaLnBrk="1" fontAlgn="auto" latinLnBrk="0" hangingPunct="1">
               <a:lnSpc>
                 <a:spcPct val="100000"/>
               </a:lnSpc>
@@ -7503,21 +7092,19 @@
               <a:spcAft>
                 <a:spcPts val="0"/>
               </a:spcAft>
-              <a:buClr>
-                <a:srgbClr val="00B0F0"/>
-              </a:buClr>
+              <a:buClrTx/>
               <a:buSzTx/>
-              <a:buFont typeface="Arial" panose="020B0604020202020204" pitchFamily="34" charset="0"/>
-              <a:buChar char="•"/>
+              <a:buFontTx/>
+              <a:buNone/>
               <a:tabLst/>
               <a:defRPr/>
             </a:pPr>
-            <a:endParaRPr kumimoji="0" lang="en-US" sz="2600" b="0" i="0" u="none" strike="noStrike" kern="1200" cap="none" spc="0" normalizeH="0" noProof="0" dirty="0">
+            <a:endParaRPr kumimoji="0" lang="en-US" sz="1800" b="0" i="0" u="none" strike="noStrike" kern="1200" cap="none" spc="0" normalizeH="0" baseline="0" noProof="0">
               <a:ln>
                 <a:noFill/>
               </a:ln>
               <a:solidFill>
-                <a:schemeClr val="bg1"/>
+                <a:srgbClr val="FFFFFF"/>
               </a:solidFill>
               <a:effectLst/>
               <a:uLnTx/>
@@ -7527,8 +7114,148 @@
               <a:cs typeface="+mn-cs"/>
             </a:endParaRPr>
           </a:p>
-          <a:p>
-            <a:pPr marL="457200" marR="0" lvl="0" indent="-457200" algn="l" defTabSz="914400" rtl="0" eaLnBrk="1" fontAlgn="auto" latinLnBrk="0" hangingPunct="1">
+        </p:txBody>
+      </p:sp>
+      <p:sp>
+        <p:nvSpPr>
+          <p:cNvPr id="3" name="Subtitle 2">
+            <a:extLst>
+              <a:ext uri="{FF2B5EF4-FFF2-40B4-BE49-F238E27FC236}">
+                <a16:creationId xmlns:a16="http://schemas.microsoft.com/office/drawing/2014/main" id="{111EB45F-F0F2-481A-972E-049642464A0E}"/>
+              </a:ext>
+            </a:extLst>
+          </p:cNvPr>
+          <p:cNvSpPr>
+            <a:spLocks noGrp="1"/>
+          </p:cNvSpPr>
+          <p:nvPr>
+            <p:ph type="subTitle" idx="1"/>
+          </p:nvPr>
+        </p:nvSpPr>
+        <p:spPr>
+          <a:xfrm>
+            <a:off x="1079500" y="4843002"/>
+            <a:ext cx="5433479" cy="1234345"/>
+          </a:xfrm>
+        </p:spPr>
+        <p:txBody>
+          <a:bodyPr anchor="ctr">
+            <a:normAutofit/>
+          </a:bodyPr>
+          <a:lstStyle/>
+          <a:p>
+            <a:pPr algn="l"/>
+            <a:r>
+              <a:rPr lang="en-US" sz="2000">
+                <a:solidFill>
+                  <a:srgbClr val="1B1B1B"/>
+                </a:solidFill>
+              </a:rPr>
+              <a:t>Use a bar chart to compare overall scores by region for the year 2010 and the year 2019 to show before and after effects of recession on the entire globe for economic freedom satisfactions.</a:t>
+            </a:r>
+          </a:p>
+        </p:txBody>
+      </p:sp>
+      <p:pic>
+        <p:nvPicPr>
+          <p:cNvPr id="6" name="Graphic 5" descr="Dollar">
+            <a:extLst>
+              <a:ext uri="{FF2B5EF4-FFF2-40B4-BE49-F238E27FC236}">
+                <a16:creationId xmlns:a16="http://schemas.microsoft.com/office/drawing/2014/main" id="{F00B80D6-DAE6-49F1-A0DD-5D759DD974F8}"/>
+              </a:ext>
+            </a:extLst>
+          </p:cNvPr>
+          <p:cNvPicPr>
+            <a:picLocks noChangeAspect="1"/>
+          </p:cNvPicPr>
+          <p:nvPr/>
+        </p:nvPicPr>
+        <p:blipFill>
+          <a:blip r:embed="rId2">
+            <a:extLst>
+              <a:ext uri="{28A0092B-C50C-407E-A947-70E740481C1C}">
+                <a14:useLocalDpi xmlns:a14="http://schemas.microsoft.com/office/drawing/2010/main" val="0"/>
+              </a:ext>
+              <a:ext uri="{96DAC541-7B7A-43D3-8B79-37D633B846F1}">
+                <asvg:svgBlip xmlns:asvg="http://schemas.microsoft.com/office/drawing/2016/SVG/main" r:embed="rId3"/>
+              </a:ext>
+            </a:extLst>
+          </a:blip>
+          <a:stretch>
+            <a:fillRect/>
+          </a:stretch>
+        </p:blipFill>
+        <p:spPr>
+          <a:xfrm>
+            <a:off x="7571572" y="4648201"/>
+            <a:ext cx="1632648" cy="1632648"/>
+          </a:xfrm>
+          <a:prstGeom prst="rect">
+            <a:avLst/>
+          </a:prstGeom>
+        </p:spPr>
+      </p:pic>
+      <p:sp>
+        <p:nvSpPr>
+          <p:cNvPr id="15" name="Rectangle 14">
+            <a:extLst>
+              <a:ext uri="{FF2B5EF4-FFF2-40B4-BE49-F238E27FC236}">
+                <a16:creationId xmlns:a16="http://schemas.microsoft.com/office/drawing/2014/main" id="{1A882A9F-F4E9-4E23-8F0B-20B5DF42EAA9}"/>
+              </a:ext>
+              <a:ext uri="{C183D7F6-B498-43B3-948B-1728B52AA6E4}">
+                <adec:decorative xmlns:adec="http://schemas.microsoft.com/office/drawing/2017/decorative" val="1"/>
+              </a:ext>
+            </a:extLst>
+          </p:cNvPr>
+          <p:cNvSpPr>
+            <a:spLocks noGrp="1" noRot="1" noChangeAspect="1" noMove="1" noResize="1" noEditPoints="1" noAdjustHandles="1" noChangeArrowheads="1" noChangeShapeType="1" noTextEdit="1"/>
+          </p:cNvSpPr>
+          <p:nvPr>
+            <p:extLst>
+              <p:ext uri="{386F3935-93C4-4BCD-93E2-E3B085C9AB24}">
+                <p16:designElem xmlns:p16="http://schemas.microsoft.com/office/powerpoint/2015/main" val="1"/>
+              </p:ext>
+            </p:extLst>
+          </p:nvPr>
+        </p:nvSpPr>
+        <p:spPr>
+          <a:xfrm>
+            <a:off x="9619345" y="4521270"/>
+            <a:ext cx="2115455" cy="1890204"/>
+          </a:xfrm>
+          <a:prstGeom prst="rect">
+            <a:avLst/>
+          </a:prstGeom>
+          <a:solidFill>
+            <a:schemeClr val="accent1">
+              <a:alpha val="95000"/>
+            </a:schemeClr>
+          </a:solidFill>
+          <a:ln w="25400">
+            <a:noFill/>
+          </a:ln>
+        </p:spPr>
+        <p:style>
+          <a:lnRef idx="2">
+            <a:schemeClr val="accent1">
+              <a:shade val="50000"/>
+            </a:schemeClr>
+          </a:lnRef>
+          <a:fillRef idx="1">
+            <a:schemeClr val="accent1"/>
+          </a:fillRef>
+          <a:effectRef idx="0">
+            <a:schemeClr val="accent1"/>
+          </a:effectRef>
+          <a:fontRef idx="minor">
+            <a:schemeClr val="lt1"/>
+          </a:fontRef>
+        </p:style>
+        <p:txBody>
+          <a:bodyPr rtlCol="0" anchor="ctr"/>
+          <a:lstStyle/>
+          <a:p>
+            <a:pPr marL="0" marR="0" lvl="0" indent="0" algn="ctr" defTabSz="914400" rtl="0" eaLnBrk="1" fontAlgn="auto" latinLnBrk="0" hangingPunct="1">
               <a:lnSpc>
                 <a:spcPct val="100000"/>
               </a:lnSpc>
@@ -7538,59 +7265,19 @@
               <a:spcAft>
                 <a:spcPts val="0"/>
               </a:spcAft>
-              <a:buClr>
-                <a:srgbClr val="00B0F0"/>
-              </a:buClr>
+              <a:buClrTx/>
               <a:buSzTx/>
-              <a:buFont typeface="Arial" panose="020B0604020202020204" pitchFamily="34" charset="0"/>
-              <a:buChar char="•"/>
+              <a:buFontTx/>
+              <a:buNone/>
               <a:tabLst/>
               <a:defRPr/>
             </a:pPr>
-            <a:r>
-              <a:rPr kumimoji="0" lang="en-US" sz="2600" b="0" i="0" u="none" strike="noStrike" kern="1200" cap="none" spc="0" normalizeH="0" noProof="0" dirty="0">
-                <a:ln>
-                  <a:noFill/>
-                </a:ln>
-                <a:solidFill>
-                  <a:schemeClr val="bg1"/>
-                </a:solidFill>
-                <a:effectLst/>
-                <a:uLnTx/>
-                <a:uFillTx/>
-                <a:latin typeface="Calibri" panose="020F0502020204030204"/>
-                <a:ea typeface="+mn-ea"/>
-                <a:cs typeface="+mn-cs"/>
-              </a:rPr>
-              <a:t>Europe has the highest overall freedom satisfaction for both years.</a:t>
-            </a:r>
-          </a:p>
-          <a:p>
-            <a:pPr marL="457200" marR="0" lvl="0" indent="-457200" algn="l" defTabSz="914400" rtl="0" eaLnBrk="1" fontAlgn="auto" latinLnBrk="0" hangingPunct="1">
-              <a:lnSpc>
-                <a:spcPct val="100000"/>
-              </a:lnSpc>
-              <a:spcBef>
-                <a:spcPts val="0"/>
-              </a:spcBef>
-              <a:spcAft>
-                <a:spcPts val="0"/>
-              </a:spcAft>
-              <a:buClr>
-                <a:srgbClr val="00B0F0"/>
-              </a:buClr>
-              <a:buSzTx/>
-              <a:buFont typeface="Arial" panose="020B0604020202020204" pitchFamily="34" charset="0"/>
-              <a:buChar char="•"/>
-              <a:tabLst/>
-              <a:defRPr/>
-            </a:pPr>
-            <a:endParaRPr kumimoji="0" lang="en-US" sz="2600" b="0" i="0" u="none" strike="noStrike" kern="1200" cap="none" spc="0" normalizeH="0" noProof="0" dirty="0">
+            <a:endParaRPr kumimoji="0" lang="en-US" sz="1800" b="0" i="0" u="none" strike="noStrike" kern="1200" cap="none" spc="0" normalizeH="0" baseline="0" noProof="0">
               <a:ln>
                 <a:noFill/>
               </a:ln>
               <a:solidFill>
-                <a:schemeClr val="bg1"/>
+                <a:srgbClr val="FFFFFF"/>
               </a:solidFill>
               <a:effectLst/>
               <a:uLnTx/>
@@ -7600,158 +7287,51 @@
               <a:cs typeface="+mn-cs"/>
             </a:endParaRPr>
           </a:p>
-          <a:p>
-            <a:pPr marL="457200" marR="0" lvl="0" indent="-457200" algn="l" defTabSz="914400" rtl="0" eaLnBrk="1" fontAlgn="auto" latinLnBrk="0" hangingPunct="1">
-              <a:lnSpc>
-                <a:spcPct val="100000"/>
-              </a:lnSpc>
-              <a:spcBef>
-                <a:spcPts val="0"/>
-              </a:spcBef>
-              <a:spcAft>
-                <a:spcPts val="0"/>
-              </a:spcAft>
-              <a:buClr>
-                <a:srgbClr val="00B0F0"/>
-              </a:buClr>
-              <a:buSzTx/>
-              <a:buFont typeface="Arial" panose="020B0604020202020204" pitchFamily="34" charset="0"/>
-              <a:buChar char="•"/>
-              <a:tabLst/>
-              <a:defRPr/>
-            </a:pPr>
-            <a:r>
-              <a:rPr kumimoji="0" lang="en-US" sz="2600" b="0" i="0" u="none" strike="noStrike" kern="1200" cap="none" spc="0" normalizeH="0" noProof="0" dirty="0">
-                <a:ln>
-                  <a:noFill/>
-                </a:ln>
-                <a:solidFill>
-                  <a:schemeClr val="bg1"/>
-                </a:solidFill>
-                <a:effectLst/>
-                <a:uLnTx/>
-                <a:uFillTx/>
-                <a:latin typeface="Calibri" panose="020F0502020204030204"/>
-                <a:ea typeface="+mn-ea"/>
-                <a:cs typeface="+mn-cs"/>
-              </a:rPr>
-              <a:t>Sub-Saharan Africa has the lowest average scores for 2010 and 2019 compared to other regions.</a:t>
-            </a:r>
-          </a:p>
-          <a:p>
-            <a:pPr marL="457200" marR="0" lvl="0" indent="-457200" algn="l" defTabSz="914400" rtl="0" eaLnBrk="1" fontAlgn="auto" latinLnBrk="0" hangingPunct="1">
-              <a:lnSpc>
-                <a:spcPct val="100000"/>
-              </a:lnSpc>
-              <a:spcBef>
-                <a:spcPts val="0"/>
-              </a:spcBef>
-              <a:spcAft>
-                <a:spcPts val="0"/>
-              </a:spcAft>
-              <a:buClr>
-                <a:srgbClr val="00B0F0"/>
-              </a:buClr>
-              <a:buSzTx/>
-              <a:buFont typeface="Arial" panose="020B0604020202020204" pitchFamily="34" charset="0"/>
-              <a:buChar char="•"/>
-              <a:tabLst/>
-              <a:defRPr/>
-            </a:pPr>
-            <a:endParaRPr kumimoji="0" lang="en-US" sz="2600" b="0" i="0" u="none" strike="noStrike" kern="1200" cap="none" spc="0" normalizeH="0" noProof="0" dirty="0">
-              <a:ln>
-                <a:noFill/>
-              </a:ln>
-              <a:solidFill>
-                <a:schemeClr val="bg1"/>
-              </a:solidFill>
-              <a:effectLst/>
-              <a:uLnTx/>
-              <a:uFillTx/>
-              <a:latin typeface="Calibri" panose="020F0502020204030204"/>
-              <a:ea typeface="+mn-ea"/>
-              <a:cs typeface="+mn-cs"/>
-            </a:endParaRPr>
-          </a:p>
-          <a:p>
-            <a:pPr marL="457200" marR="0" lvl="0" indent="-457200" algn="l" defTabSz="914400" rtl="0" eaLnBrk="1" fontAlgn="auto" latinLnBrk="0" hangingPunct="1">
-              <a:lnSpc>
-                <a:spcPct val="100000"/>
-              </a:lnSpc>
-              <a:spcBef>
-                <a:spcPts val="0"/>
-              </a:spcBef>
-              <a:spcAft>
-                <a:spcPts val="0"/>
-              </a:spcAft>
-              <a:buClr>
-                <a:srgbClr val="00B0F0"/>
-              </a:buClr>
-              <a:buSzTx/>
-              <a:buFont typeface="Arial" panose="020B0604020202020204" pitchFamily="34" charset="0"/>
-              <a:buChar char="•"/>
-              <a:tabLst/>
-              <a:defRPr/>
-            </a:pPr>
-            <a:r>
-              <a:rPr kumimoji="0" lang="en-US" sz="2600" b="0" i="0" u="none" strike="noStrike" kern="1200" cap="none" spc="0" normalizeH="0" noProof="0" dirty="0">
-                <a:ln>
-                  <a:noFill/>
-                </a:ln>
-                <a:solidFill>
-                  <a:schemeClr val="bg1"/>
-                </a:solidFill>
-                <a:effectLst/>
-                <a:uLnTx/>
-                <a:uFillTx/>
-                <a:latin typeface="Calibri" panose="020F0502020204030204"/>
-                <a:ea typeface="+mn-ea"/>
-                <a:cs typeface="+mn-cs"/>
-              </a:rPr>
-              <a:t>The Americas were the only region that didn’t improve overall scores.</a:t>
-            </a:r>
-          </a:p>
-          <a:p>
-            <a:pPr marL="0" marR="0" lvl="0" indent="0" algn="l" defTabSz="914400" rtl="0" eaLnBrk="1" fontAlgn="auto" latinLnBrk="0" hangingPunct="1">
-              <a:lnSpc>
-                <a:spcPct val="100000"/>
-              </a:lnSpc>
-              <a:spcBef>
-                <a:spcPts val="0"/>
-              </a:spcBef>
-              <a:spcAft>
-                <a:spcPts val="0"/>
-              </a:spcAft>
-              <a:buClr>
-                <a:srgbClr val="00B0F0"/>
-              </a:buClr>
-              <a:buSzTx/>
-              <a:buFontTx/>
-              <a:buNone/>
-              <a:tabLst/>
-              <a:defRPr/>
-            </a:pPr>
-            <a:endParaRPr kumimoji="0" lang="en-US" sz="2400" b="0" i="0" u="none" strike="noStrike" kern="1200" cap="none" spc="0" normalizeH="0" baseline="0" noProof="0" dirty="0">
-              <a:ln>
-                <a:noFill/>
-              </a:ln>
-              <a:solidFill>
-                <a:schemeClr val="bg1"/>
-              </a:solidFill>
-              <a:effectLst/>
-              <a:uLnTx/>
-              <a:uFillTx/>
-              <a:latin typeface="Calibri" panose="020F0502020204030204"/>
-              <a:ea typeface="+mn-ea"/>
-              <a:cs typeface="+mn-cs"/>
-            </a:endParaRPr>
-          </a:p>
-        </p:txBody>
-      </p:sp>
+        </p:txBody>
+      </p:sp>
+      <p:pic>
+        <p:nvPicPr>
+          <p:cNvPr id="8" name="Graphic 7" descr="Smiling face with no fill">
+            <a:extLst>
+              <a:ext uri="{FF2B5EF4-FFF2-40B4-BE49-F238E27FC236}">
+                <a16:creationId xmlns:a16="http://schemas.microsoft.com/office/drawing/2014/main" id="{35C6D407-8211-4891-B0B3-0106584E15B8}"/>
+              </a:ext>
+            </a:extLst>
+          </p:cNvPr>
+          <p:cNvPicPr>
+            <a:picLocks noChangeAspect="1"/>
+          </p:cNvPicPr>
+          <p:nvPr/>
+        </p:nvPicPr>
+        <p:blipFill>
+          <a:blip r:embed="rId4">
+            <a:extLst>
+              <a:ext uri="{28A0092B-C50C-407E-A947-70E740481C1C}">
+                <a14:useLocalDpi xmlns:a14="http://schemas.microsoft.com/office/drawing/2010/main" val="0"/>
+              </a:ext>
+              <a:ext uri="{96DAC541-7B7A-43D3-8B79-37D633B846F1}">
+                <asvg:svgBlip xmlns:asvg="http://schemas.microsoft.com/office/drawing/2016/SVG/main" r:embed="rId5"/>
+              </a:ext>
+            </a:extLst>
+          </a:blip>
+          <a:stretch>
+            <a:fillRect/>
+          </a:stretch>
+        </p:blipFill>
+        <p:spPr>
+          <a:xfrm>
+            <a:off x="10143460" y="4843002"/>
+            <a:ext cx="1132072" cy="1132072"/>
+          </a:xfrm>
+          <a:prstGeom prst="rect">
+            <a:avLst/>
+          </a:prstGeom>
+        </p:spPr>
+      </p:pic>
     </p:spTree>
     <p:extLst>
       <p:ext uri="{BB962C8B-B14F-4D97-AF65-F5344CB8AC3E}">
-        <p14:creationId xmlns:p14="http://schemas.microsoft.com/office/powerpoint/2010/main" val="1690547639"/>
+        <p14:creationId xmlns:p14="http://schemas.microsoft.com/office/powerpoint/2010/main" val="1839267475"/>
       </p:ext>
     </p:extLst>
   </p:cSld>
@@ -7791,10 +7371,10 @@
       </p:grpSpPr>
       <p:sp>
         <p:nvSpPr>
-          <p:cNvPr id="11" name="Rectangle 10">
-            <a:extLst>
-              <a:ext uri="{FF2B5EF4-FFF2-40B4-BE49-F238E27FC236}">
-                <a16:creationId xmlns:a16="http://schemas.microsoft.com/office/drawing/2014/main" id="{CDA1A2E9-63FE-408D-A803-8E306ECAB4B3}"/>
+          <p:cNvPr id="71" name="Rectangle 70">
+            <a:extLst>
+              <a:ext uri="{FF2B5EF4-FFF2-40B4-BE49-F238E27FC236}">
+                <a16:creationId xmlns:a16="http://schemas.microsoft.com/office/drawing/2014/main" id="{AB45A142-4255-493C-8284-5D566C121B10}"/>
               </a:ext>
               <a:ext uri="{C183D7F6-B498-43B3-948B-1728B52AA6E4}">
                 <adec:decorative xmlns:adec="http://schemas.microsoft.com/office/drawing/2017/decorative" val="1"/>
@@ -7812,21 +7392,25 @@
             </p:extLst>
           </p:nvPr>
         </p:nvSpPr>
-        <p:spPr>
-          <a:xfrm>
-            <a:off x="462058" y="450221"/>
-            <a:ext cx="11272742" cy="3918123"/>
+        <p:spPr bwMode="ltGray">
+          <a:xfrm>
+            <a:off x="336884" y="321177"/>
+            <a:ext cx="4332307" cy="6179552"/>
           </a:xfrm>
           <a:prstGeom prst="rect">
             <a:avLst/>
           </a:prstGeom>
           <a:solidFill>
             <a:srgbClr val="404040">
-              <a:alpha val="95000"/>
+              <a:alpha val="89804"/>
             </a:srgbClr>
           </a:solidFill>
-          <a:ln w="25400">
-            <a:noFill/>
+          <a:ln w="127000" cap="sq" cmpd="thinThick">
+            <a:solidFill>
+              <a:srgbClr val="595959">
+                <a:alpha val="80000"/>
+              </a:srgbClr>
+            </a:solidFill>
           </a:ln>
         </p:spPr>
         <p:style>
@@ -7871,7 +7455,7 @@
                 <a:noFill/>
               </a:ln>
               <a:solidFill>
-                <a:srgbClr val="404040"/>
+                <a:prstClr val="white"/>
               </a:solidFill>
               <a:effectLst/>
               <a:uLnTx/>
@@ -7883,73 +7467,21 @@
           </a:p>
         </p:txBody>
       </p:sp>
-      <p:sp>
-        <p:nvSpPr>
-          <p:cNvPr id="2" name="Title 1">
-            <a:extLst>
-              <a:ext uri="{FF2B5EF4-FFF2-40B4-BE49-F238E27FC236}">
-                <a16:creationId xmlns:a16="http://schemas.microsoft.com/office/drawing/2014/main" id="{03B1199F-89E8-4D86-BBC6-B05C761A1FAA}"/>
-              </a:ext>
-            </a:extLst>
-          </p:cNvPr>
-          <p:cNvSpPr>
-            <a:spLocks noGrp="1"/>
-          </p:cNvSpPr>
-          <p:nvPr>
-            <p:ph type="ctrTitle"/>
-          </p:nvPr>
-        </p:nvSpPr>
-        <p:spPr>
-          <a:xfrm>
-            <a:off x="1100669" y="1111086"/>
-            <a:ext cx="10011831" cy="2623885"/>
-          </a:xfrm>
-        </p:spPr>
-        <p:txBody>
-          <a:bodyPr anchor="ctr">
-            <a:normAutofit/>
-          </a:bodyPr>
-          <a:lstStyle/>
-          <a:p>
-            <a:pPr algn="l"/>
-            <a:r>
-              <a:rPr lang="en-US" sz="4200" dirty="0">
-                <a:solidFill>
-                  <a:srgbClr val="FFFFFF"/>
-                </a:solidFill>
-              </a:rPr>
-              <a:t>How did the specific individual freedom categories vary over the 10-year time period for just the United States?</a:t>
-            </a:r>
-            <a:br>
-              <a:rPr lang="en-US" sz="4200" dirty="0">
-                <a:solidFill>
-                  <a:srgbClr val="FFFFFF"/>
-                </a:solidFill>
-              </a:rPr>
-            </a:br>
-            <a:endParaRPr lang="en-US" sz="4200" dirty="0">
-              <a:solidFill>
-                <a:srgbClr val="FFFFFF"/>
-              </a:solidFill>
-            </a:endParaRPr>
-          </a:p>
-        </p:txBody>
-      </p:sp>
-      <p:sp>
-        <p:nvSpPr>
-          <p:cNvPr id="13" name="Rectangle 12">
-            <a:extLst>
-              <a:ext uri="{FF2B5EF4-FFF2-40B4-BE49-F238E27FC236}">
-                <a16:creationId xmlns:a16="http://schemas.microsoft.com/office/drawing/2014/main" id="{FBE9F90C-C163-435B-9A68-D15C92D1CF2B}"/>
+      <p:cxnSp>
+        <p:nvCxnSpPr>
+          <p:cNvPr id="73" name="Straight Connector 72">
+            <a:extLst>
+              <a:ext uri="{FF2B5EF4-FFF2-40B4-BE49-F238E27FC236}">
+                <a16:creationId xmlns:a16="http://schemas.microsoft.com/office/drawing/2014/main" id="{38FB9660-F42F-4313-BBC4-47C007FE484C}"/>
               </a:ext>
               <a:ext uri="{C183D7F6-B498-43B3-948B-1728B52AA6E4}">
                 <adec:decorative xmlns:adec="http://schemas.microsoft.com/office/drawing/2017/decorative" val="1"/>
               </a:ext>
             </a:extLst>
           </p:cNvPr>
-          <p:cNvSpPr>
-            <a:spLocks noGrp="1" noRot="1" noChangeAspect="1" noMove="1" noResize="1" noEditPoints="1" noAdjustHandles="1" noChangeArrowheads="1" noChangeShapeType="1" noTextEdit="1"/>
-          </p:cNvSpPr>
+          <p:cNvCxnSpPr>
+            <a:cxnSpLocks noGrp="1" noRot="1" noChangeAspect="1" noMove="1" noResize="1" noEditPoints="1" noAdjustHandles="1" noChangeArrowheads="1" noChangeShapeType="1"/>
+          </p:cNvCxnSpPr>
           <p:nvPr>
             <p:extLst>
               <p:ext uri="{386F3935-93C4-4BCD-93E2-E3B085C9AB24}">
@@ -7957,21 +7489,111 @@
               </p:ext>
             </p:extLst>
           </p:nvPr>
-        </p:nvSpPr>
-        <p:spPr>
-          <a:xfrm>
-            <a:off x="457200" y="4521269"/>
-            <a:ext cx="6699246" cy="1877811"/>
+        </p:nvCxnSpPr>
+        <p:spPr>
+          <a:xfrm>
+            <a:off x="1191126" y="3910267"/>
+            <a:ext cx="2586790" cy="0"/>
+          </a:xfrm>
+          <a:prstGeom prst="line">
+            <a:avLst/>
+          </a:prstGeom>
+          <a:ln w="22225">
+            <a:solidFill>
+              <a:srgbClr val="D9D9D9"/>
+            </a:solidFill>
+          </a:ln>
+        </p:spPr>
+        <p:style>
+          <a:lnRef idx="1">
+            <a:schemeClr val="accent1"/>
+          </a:lnRef>
+          <a:fillRef idx="0">
+            <a:schemeClr val="accent1"/>
+          </a:fillRef>
+          <a:effectRef idx="0">
+            <a:schemeClr val="accent1"/>
+          </a:effectRef>
+          <a:fontRef idx="minor">
+            <a:schemeClr val="tx1"/>
+          </a:fontRef>
+        </p:style>
+      </p:cxnSp>
+      <p:pic>
+        <p:nvPicPr>
+          <p:cNvPr id="1026" name="Picture 2">
+            <a:extLst>
+              <a:ext uri="{FF2B5EF4-FFF2-40B4-BE49-F238E27FC236}">
+                <a16:creationId xmlns:a16="http://schemas.microsoft.com/office/drawing/2014/main" id="{04AB0E2A-4176-4226-AB63-842B48D4572A}"/>
+              </a:ext>
+            </a:extLst>
+          </p:cNvPr>
+          <p:cNvPicPr>
+            <a:picLocks noGrp="1" noChangeAspect="1" noChangeArrowheads="1"/>
+          </p:cNvPicPr>
+          <p:nvPr>
+            <p:ph idx="1"/>
+          </p:nvPr>
+        </p:nvPicPr>
+        <p:blipFill>
+          <a:blip r:embed="rId2">
+            <a:extLst>
+              <a:ext uri="{28A0092B-C50C-407E-A947-70E740481C1C}">
+                <a14:useLocalDpi xmlns:a14="http://schemas.microsoft.com/office/drawing/2010/main" val="0"/>
+              </a:ext>
+            </a:extLst>
+          </a:blip>
+          <a:stretch>
+            <a:fillRect/>
+          </a:stretch>
+        </p:blipFill>
+        <p:spPr bwMode="auto">
+          <a:xfrm>
+            <a:off x="4669190" y="0"/>
+            <a:ext cx="7345601" cy="6800385"/>
+          </a:xfrm>
+          <a:prstGeom prst="rect">
+            <a:avLst/>
+          </a:prstGeom>
+          <a:noFill/>
+          <a:extLst>
+            <a:ext uri="{909E8E84-426E-40DD-AFC4-6F175D3DCCD1}">
+              <a14:hiddenFill xmlns:a14="http://schemas.microsoft.com/office/drawing/2010/main">
+                <a:solidFill>
+                  <a:srgbClr val="FFFFFF"/>
+                </a:solidFill>
+              </a14:hiddenFill>
+            </a:ext>
+          </a:extLst>
+        </p:spPr>
+      </p:pic>
+      <p:sp>
+        <p:nvSpPr>
+          <p:cNvPr id="2" name="Rectangle 1">
+            <a:extLst>
+              <a:ext uri="{FF2B5EF4-FFF2-40B4-BE49-F238E27FC236}">
+                <a16:creationId xmlns:a16="http://schemas.microsoft.com/office/drawing/2014/main" id="{B96397F0-46CB-42DD-909A-7CED89B096C6}"/>
+              </a:ext>
+            </a:extLst>
+          </p:cNvPr>
+          <p:cNvSpPr/>
+          <p:nvPr/>
+        </p:nvSpPr>
+        <p:spPr>
+          <a:xfrm>
+            <a:off x="336882" y="357271"/>
+            <a:ext cx="4332307" cy="6143458"/>
           </a:xfrm>
           <a:prstGeom prst="rect">
             <a:avLst/>
           </a:prstGeom>
           <a:solidFill>
-            <a:srgbClr val="A5A5A5">
-              <a:alpha val="80000"/>
-            </a:srgbClr>
+            <a:schemeClr val="tx1">
+              <a:lumMod val="65000"/>
+              <a:lumOff val="35000"/>
+            </a:schemeClr>
           </a:solidFill>
-          <a:ln w="25400">
+          <a:ln>
             <a:noFill/>
           </a:ln>
         </p:spPr>
@@ -7995,7 +7617,40 @@
           <a:bodyPr rtlCol="0" anchor="ctr"/>
           <a:lstStyle/>
           <a:p>
-            <a:pPr marL="0" marR="0" lvl="0" indent="0" algn="ctr" defTabSz="914400" rtl="0" eaLnBrk="1" fontAlgn="auto" latinLnBrk="0" hangingPunct="1">
+            <a:pPr algn="ctr"/>
+            <a:endParaRPr lang="en-US"/>
+          </a:p>
+        </p:txBody>
+      </p:sp>
+      <p:sp>
+        <p:nvSpPr>
+          <p:cNvPr id="6" name="TextBox 5">
+            <a:extLst>
+              <a:ext uri="{FF2B5EF4-FFF2-40B4-BE49-F238E27FC236}">
+                <a16:creationId xmlns:a16="http://schemas.microsoft.com/office/drawing/2014/main" id="{CD82085C-D909-4FC0-A6A6-4C4E46D84B92}"/>
+              </a:ext>
+            </a:extLst>
+          </p:cNvPr>
+          <p:cNvSpPr txBox="1"/>
+          <p:nvPr/>
+        </p:nvSpPr>
+        <p:spPr>
+          <a:xfrm>
+            <a:off x="341883" y="357271"/>
+            <a:ext cx="4202821" cy="6063198"/>
+          </a:xfrm>
+          <a:prstGeom prst="rect">
+            <a:avLst/>
+          </a:prstGeom>
+          <a:noFill/>
+        </p:spPr>
+        <p:txBody>
+          <a:bodyPr wrap="square" rtlCol="0">
+            <a:spAutoFit/>
+          </a:bodyPr>
+          <a:lstStyle/>
+          <a:p>
+            <a:pPr marL="457200" marR="0" lvl="0" indent="-457200" algn="l" defTabSz="914400" rtl="0" eaLnBrk="1" fontAlgn="auto" latinLnBrk="0" hangingPunct="1">
               <a:lnSpc>
                 <a:spcPct val="100000"/>
               </a:lnSpc>
@@ -8005,19 +7660,21 @@
               <a:spcAft>
                 <a:spcPts val="0"/>
               </a:spcAft>
-              <a:buClrTx/>
+              <a:buClr>
+                <a:srgbClr val="00B0F0"/>
+              </a:buClr>
               <a:buSzTx/>
-              <a:buFontTx/>
-              <a:buNone/>
+              <a:buFont typeface="Arial" panose="020B0604020202020204" pitchFamily="34" charset="0"/>
+              <a:buChar char="•"/>
               <a:tabLst/>
               <a:defRPr/>
             </a:pPr>
-            <a:endParaRPr kumimoji="0" lang="en-US" sz="1800" b="0" i="0" u="none" strike="noStrike" kern="1200" cap="none" spc="0" normalizeH="0" baseline="0" noProof="0">
+            <a:endParaRPr kumimoji="0" lang="en-US" sz="2600" b="0" i="0" u="none" strike="noStrike" kern="1200" cap="none" spc="0" normalizeH="0" noProof="0" dirty="0">
               <a:ln>
                 <a:noFill/>
               </a:ln>
               <a:solidFill>
-                <a:srgbClr val="FFFFFF"/>
+                <a:schemeClr val="bg1"/>
               </a:solidFill>
               <a:effectLst/>
               <a:uLnTx/>
@@ -8027,109 +7684,8 @@
               <a:cs typeface="+mn-cs"/>
             </a:endParaRPr>
           </a:p>
-        </p:txBody>
-      </p:sp>
-      <p:sp>
-        <p:nvSpPr>
-          <p:cNvPr id="3" name="Subtitle 2">
-            <a:extLst>
-              <a:ext uri="{FF2B5EF4-FFF2-40B4-BE49-F238E27FC236}">
-                <a16:creationId xmlns:a16="http://schemas.microsoft.com/office/drawing/2014/main" id="{111EB45F-F0F2-481A-972E-049642464A0E}"/>
-              </a:ext>
-            </a:extLst>
-          </p:cNvPr>
-          <p:cNvSpPr>
-            <a:spLocks noGrp="1"/>
-          </p:cNvSpPr>
-          <p:nvPr>
-            <p:ph type="subTitle" idx="1"/>
-          </p:nvPr>
-        </p:nvSpPr>
-        <p:spPr>
-          <a:xfrm>
-            <a:off x="685800" y="4843002"/>
-            <a:ext cx="5827179" cy="1234345"/>
-          </a:xfrm>
-        </p:spPr>
-        <p:txBody>
-          <a:bodyPr anchor="ctr">
-            <a:normAutofit/>
-          </a:bodyPr>
-          <a:lstStyle/>
-          <a:p>
-            <a:pPr algn="l"/>
-            <a:r>
-              <a:rPr lang="en-US" sz="2000" dirty="0">
-                <a:solidFill>
-                  <a:srgbClr val="1B1B1B"/>
-                </a:solidFill>
-              </a:rPr>
-              <a:t>Use a line graph to compare each economic freedom score for the years 2010 through 2019 to show before and after effects of recession on the US.</a:t>
-            </a:r>
-          </a:p>
-        </p:txBody>
-      </p:sp>
-      <p:sp>
-        <p:nvSpPr>
-          <p:cNvPr id="15" name="Rectangle 14">
-            <a:extLst>
-              <a:ext uri="{FF2B5EF4-FFF2-40B4-BE49-F238E27FC236}">
-                <a16:creationId xmlns:a16="http://schemas.microsoft.com/office/drawing/2014/main" id="{1A882A9F-F4E9-4E23-8F0B-20B5DF42EAA9}"/>
-              </a:ext>
-              <a:ext uri="{C183D7F6-B498-43B3-948B-1728B52AA6E4}">
-                <adec:decorative xmlns:adec="http://schemas.microsoft.com/office/drawing/2017/decorative" val="1"/>
-              </a:ext>
-            </a:extLst>
-          </p:cNvPr>
-          <p:cNvSpPr>
-            <a:spLocks noGrp="1" noRot="1" noChangeAspect="1" noMove="1" noResize="1" noEditPoints="1" noAdjustHandles="1" noChangeArrowheads="1" noChangeShapeType="1" noTextEdit="1"/>
-          </p:cNvSpPr>
-          <p:nvPr>
-            <p:extLst>
-              <p:ext uri="{386F3935-93C4-4BCD-93E2-E3B085C9AB24}">
-                <p16:designElem xmlns:p16="http://schemas.microsoft.com/office/powerpoint/2015/main" val="1"/>
-              </p:ext>
-            </p:extLst>
-          </p:nvPr>
-        </p:nvSpPr>
-        <p:spPr>
-          <a:xfrm>
-            <a:off x="9619345" y="4521270"/>
-            <a:ext cx="2115455" cy="1890204"/>
-          </a:xfrm>
-          <a:prstGeom prst="rect">
-            <a:avLst/>
-          </a:prstGeom>
-          <a:solidFill>
-            <a:schemeClr val="accent1">
-              <a:alpha val="95000"/>
-            </a:schemeClr>
-          </a:solidFill>
-          <a:ln w="25400">
-            <a:noFill/>
-          </a:ln>
-        </p:spPr>
-        <p:style>
-          <a:lnRef idx="2">
-            <a:schemeClr val="accent1">
-              <a:shade val="50000"/>
-            </a:schemeClr>
-          </a:lnRef>
-          <a:fillRef idx="1">
-            <a:schemeClr val="accent1"/>
-          </a:fillRef>
-          <a:effectRef idx="0">
-            <a:schemeClr val="accent1"/>
-          </a:effectRef>
-          <a:fontRef idx="minor">
-            <a:schemeClr val="lt1"/>
-          </a:fontRef>
-        </p:style>
-        <p:txBody>
-          <a:bodyPr rtlCol="0" anchor="ctr"/>
-          <a:lstStyle/>
-          <a:p>
-            <a:pPr marL="0" marR="0" lvl="0" indent="0" algn="ctr" defTabSz="914400" rtl="0" eaLnBrk="1" fontAlgn="auto" latinLnBrk="0" hangingPunct="1">
+          <a:p>
+            <a:pPr marL="457200" marR="0" lvl="0" indent="-457200" algn="l" defTabSz="914400" rtl="0" eaLnBrk="1" fontAlgn="auto" latinLnBrk="0" hangingPunct="1">
               <a:lnSpc>
                 <a:spcPct val="100000"/>
               </a:lnSpc>
@@ -8139,19 +7695,59 @@
               <a:spcAft>
                 <a:spcPts val="0"/>
               </a:spcAft>
-              <a:buClrTx/>
+              <a:buClr>
+                <a:srgbClr val="00B0F0"/>
+              </a:buClr>
               <a:buSzTx/>
-              <a:buFontTx/>
-              <a:buNone/>
+              <a:buFont typeface="Arial" panose="020B0604020202020204" pitchFamily="34" charset="0"/>
+              <a:buChar char="•"/>
               <a:tabLst/>
               <a:defRPr/>
             </a:pPr>
-            <a:endParaRPr kumimoji="0" lang="en-US" sz="1800" b="0" i="0" u="none" strike="noStrike" kern="1200" cap="none" spc="0" normalizeH="0" baseline="0" noProof="0">
+            <a:r>
+              <a:rPr kumimoji="0" lang="en-US" sz="2600" b="0" i="0" u="none" strike="noStrike" kern="1200" cap="none" spc="0" normalizeH="0" noProof="0" dirty="0">
+                <a:ln>
+                  <a:noFill/>
+                </a:ln>
+                <a:solidFill>
+                  <a:schemeClr val="bg1"/>
+                </a:solidFill>
+                <a:effectLst/>
+                <a:uLnTx/>
+                <a:uFillTx/>
+                <a:latin typeface="Calibri" panose="020F0502020204030204"/>
+                <a:ea typeface="+mn-ea"/>
+                <a:cs typeface="+mn-cs"/>
+              </a:rPr>
+              <a:t>Europe has the highest overall freedom satisfaction for both years.</a:t>
+            </a:r>
+          </a:p>
+          <a:p>
+            <a:pPr marL="457200" marR="0" lvl="0" indent="-457200" algn="l" defTabSz="914400" rtl="0" eaLnBrk="1" fontAlgn="auto" latinLnBrk="0" hangingPunct="1">
+              <a:lnSpc>
+                <a:spcPct val="100000"/>
+              </a:lnSpc>
+              <a:spcBef>
+                <a:spcPts val="0"/>
+              </a:spcBef>
+              <a:spcAft>
+                <a:spcPts val="0"/>
+              </a:spcAft>
+              <a:buClr>
+                <a:srgbClr val="00B0F0"/>
+              </a:buClr>
+              <a:buSzTx/>
+              <a:buFont typeface="Arial" panose="020B0604020202020204" pitchFamily="34" charset="0"/>
+              <a:buChar char="•"/>
+              <a:tabLst/>
+              <a:defRPr/>
+            </a:pPr>
+            <a:endParaRPr kumimoji="0" lang="en-US" sz="2600" b="0" i="0" u="none" strike="noStrike" kern="1200" cap="none" spc="0" normalizeH="0" noProof="0" dirty="0">
               <a:ln>
                 <a:noFill/>
               </a:ln>
               <a:solidFill>
-                <a:srgbClr val="FFFFFF"/>
+                <a:schemeClr val="bg1"/>
               </a:solidFill>
               <a:effectLst/>
               <a:uLnTx/>
@@ -8161,90 +7757,158 @@
               <a:cs typeface="+mn-cs"/>
             </a:endParaRPr>
           </a:p>
-        </p:txBody>
-      </p:sp>
-      <p:pic>
-        <p:nvPicPr>
-          <p:cNvPr id="5" name="Graphic 4" descr="Business Growth">
-            <a:extLst>
-              <a:ext uri="{FF2B5EF4-FFF2-40B4-BE49-F238E27FC236}">
-                <a16:creationId xmlns:a16="http://schemas.microsoft.com/office/drawing/2014/main" id="{AEC010BC-43F3-4AF4-B30B-198628DCA7B7}"/>
-              </a:ext>
-            </a:extLst>
-          </p:cNvPr>
-          <p:cNvPicPr>
-            <a:picLocks noChangeAspect="1"/>
-          </p:cNvPicPr>
-          <p:nvPr/>
-        </p:nvPicPr>
-        <p:blipFill>
-          <a:blip r:embed="rId2">
-            <a:extLst>
-              <a:ext uri="{28A0092B-C50C-407E-A947-70E740481C1C}">
-                <a14:useLocalDpi xmlns:a14="http://schemas.microsoft.com/office/drawing/2010/main" val="0"/>
-              </a:ext>
-              <a:ext uri="{96DAC541-7B7A-43D3-8B79-37D633B846F1}">
-                <asvg:svgBlip xmlns:asvg="http://schemas.microsoft.com/office/drawing/2016/SVG/main" r:embed="rId3"/>
-              </a:ext>
-            </a:extLst>
-          </a:blip>
-          <a:stretch>
-            <a:fillRect/>
-          </a:stretch>
-        </p:blipFill>
-        <p:spPr>
-          <a:xfrm>
-            <a:off x="10059899" y="4812753"/>
-            <a:ext cx="1264593" cy="1264593"/>
-          </a:xfrm>
-          <a:prstGeom prst="rect">
-            <a:avLst/>
-          </a:prstGeom>
-        </p:spPr>
-      </p:pic>
-      <p:pic>
-        <p:nvPicPr>
-          <p:cNvPr id="9" name="Graphic 8" descr="Piggy Bank">
-            <a:extLst>
-              <a:ext uri="{FF2B5EF4-FFF2-40B4-BE49-F238E27FC236}">
-                <a16:creationId xmlns:a16="http://schemas.microsoft.com/office/drawing/2014/main" id="{CEC79392-5350-4D35-965C-E270D032B6DD}"/>
-              </a:ext>
-            </a:extLst>
-          </p:cNvPr>
-          <p:cNvPicPr>
-            <a:picLocks noChangeAspect="1"/>
-          </p:cNvPicPr>
-          <p:nvPr/>
-        </p:nvPicPr>
-        <p:blipFill>
-          <a:blip r:embed="rId4">
-            <a:extLst>
-              <a:ext uri="{28A0092B-C50C-407E-A947-70E740481C1C}">
-                <a14:useLocalDpi xmlns:a14="http://schemas.microsoft.com/office/drawing/2010/main" val="0"/>
-              </a:ext>
-              <a:ext uri="{96DAC541-7B7A-43D3-8B79-37D633B846F1}">
-                <asvg:svgBlip xmlns:asvg="http://schemas.microsoft.com/office/drawing/2016/SVG/main" r:embed="rId5"/>
-              </a:ext>
-            </a:extLst>
-          </a:blip>
-          <a:stretch>
-            <a:fillRect/>
-          </a:stretch>
-        </p:blipFill>
-        <p:spPr>
-          <a:xfrm>
-            <a:off x="7614138" y="4843003"/>
-            <a:ext cx="1390928" cy="1390928"/>
-          </a:xfrm>
-          <a:prstGeom prst="rect">
-            <a:avLst/>
-          </a:prstGeom>
-        </p:spPr>
-      </p:pic>
+          <a:p>
+            <a:pPr marL="457200" marR="0" lvl="0" indent="-457200" algn="l" defTabSz="914400" rtl="0" eaLnBrk="1" fontAlgn="auto" latinLnBrk="0" hangingPunct="1">
+              <a:lnSpc>
+                <a:spcPct val="100000"/>
+              </a:lnSpc>
+              <a:spcBef>
+                <a:spcPts val="0"/>
+              </a:spcBef>
+              <a:spcAft>
+                <a:spcPts val="0"/>
+              </a:spcAft>
+              <a:buClr>
+                <a:srgbClr val="00B0F0"/>
+              </a:buClr>
+              <a:buSzTx/>
+              <a:buFont typeface="Arial" panose="020B0604020202020204" pitchFamily="34" charset="0"/>
+              <a:buChar char="•"/>
+              <a:tabLst/>
+              <a:defRPr/>
+            </a:pPr>
+            <a:r>
+              <a:rPr kumimoji="0" lang="en-US" sz="2600" b="0" i="0" u="none" strike="noStrike" kern="1200" cap="none" spc="0" normalizeH="0" noProof="0" dirty="0">
+                <a:ln>
+                  <a:noFill/>
+                </a:ln>
+                <a:solidFill>
+                  <a:schemeClr val="bg1"/>
+                </a:solidFill>
+                <a:effectLst/>
+                <a:uLnTx/>
+                <a:uFillTx/>
+                <a:latin typeface="Calibri" panose="020F0502020204030204"/>
+                <a:ea typeface="+mn-ea"/>
+                <a:cs typeface="+mn-cs"/>
+              </a:rPr>
+              <a:t>Sub-Saharan Africa has the lowest average scores for 2010 and 2019 compared to other regions.</a:t>
+            </a:r>
+          </a:p>
+          <a:p>
+            <a:pPr marL="457200" marR="0" lvl="0" indent="-457200" algn="l" defTabSz="914400" rtl="0" eaLnBrk="1" fontAlgn="auto" latinLnBrk="0" hangingPunct="1">
+              <a:lnSpc>
+                <a:spcPct val="100000"/>
+              </a:lnSpc>
+              <a:spcBef>
+                <a:spcPts val="0"/>
+              </a:spcBef>
+              <a:spcAft>
+                <a:spcPts val="0"/>
+              </a:spcAft>
+              <a:buClr>
+                <a:srgbClr val="00B0F0"/>
+              </a:buClr>
+              <a:buSzTx/>
+              <a:buFont typeface="Arial" panose="020B0604020202020204" pitchFamily="34" charset="0"/>
+              <a:buChar char="•"/>
+              <a:tabLst/>
+              <a:defRPr/>
+            </a:pPr>
+            <a:endParaRPr kumimoji="0" lang="en-US" sz="2600" b="0" i="0" u="none" strike="noStrike" kern="1200" cap="none" spc="0" normalizeH="0" noProof="0" dirty="0">
+              <a:ln>
+                <a:noFill/>
+              </a:ln>
+              <a:solidFill>
+                <a:schemeClr val="bg1"/>
+              </a:solidFill>
+              <a:effectLst/>
+              <a:uLnTx/>
+              <a:uFillTx/>
+              <a:latin typeface="Calibri" panose="020F0502020204030204"/>
+              <a:ea typeface="+mn-ea"/>
+              <a:cs typeface="+mn-cs"/>
+            </a:endParaRPr>
+          </a:p>
+          <a:p>
+            <a:pPr marL="457200" marR="0" lvl="0" indent="-457200" algn="l" defTabSz="914400" rtl="0" eaLnBrk="1" fontAlgn="auto" latinLnBrk="0" hangingPunct="1">
+              <a:lnSpc>
+                <a:spcPct val="100000"/>
+              </a:lnSpc>
+              <a:spcBef>
+                <a:spcPts val="0"/>
+              </a:spcBef>
+              <a:spcAft>
+                <a:spcPts val="0"/>
+              </a:spcAft>
+              <a:buClr>
+                <a:srgbClr val="00B0F0"/>
+              </a:buClr>
+              <a:buSzTx/>
+              <a:buFont typeface="Arial" panose="020B0604020202020204" pitchFamily="34" charset="0"/>
+              <a:buChar char="•"/>
+              <a:tabLst/>
+              <a:defRPr/>
+            </a:pPr>
+            <a:r>
+              <a:rPr kumimoji="0" lang="en-US" sz="2600" b="0" i="0" u="none" strike="noStrike" kern="1200" cap="none" spc="0" normalizeH="0" noProof="0" dirty="0">
+                <a:ln>
+                  <a:noFill/>
+                </a:ln>
+                <a:solidFill>
+                  <a:schemeClr val="bg1"/>
+                </a:solidFill>
+                <a:effectLst/>
+                <a:uLnTx/>
+                <a:uFillTx/>
+                <a:latin typeface="Calibri" panose="020F0502020204030204"/>
+                <a:ea typeface="+mn-ea"/>
+                <a:cs typeface="+mn-cs"/>
+              </a:rPr>
+              <a:t>The Americas were the only region that didn’t improve overall scores.</a:t>
+            </a:r>
+          </a:p>
+          <a:p>
+            <a:pPr marL="0" marR="0" lvl="0" indent="0" algn="l" defTabSz="914400" rtl="0" eaLnBrk="1" fontAlgn="auto" latinLnBrk="0" hangingPunct="1">
+              <a:lnSpc>
+                <a:spcPct val="100000"/>
+              </a:lnSpc>
+              <a:spcBef>
+                <a:spcPts val="0"/>
+              </a:spcBef>
+              <a:spcAft>
+                <a:spcPts val="0"/>
+              </a:spcAft>
+              <a:buClr>
+                <a:srgbClr val="00B0F0"/>
+              </a:buClr>
+              <a:buSzTx/>
+              <a:buFontTx/>
+              <a:buNone/>
+              <a:tabLst/>
+              <a:defRPr/>
+            </a:pPr>
+            <a:endParaRPr kumimoji="0" lang="en-US" sz="2400" b="0" i="0" u="none" strike="noStrike" kern="1200" cap="none" spc="0" normalizeH="0" baseline="0" noProof="0" dirty="0">
+              <a:ln>
+                <a:noFill/>
+              </a:ln>
+              <a:solidFill>
+                <a:schemeClr val="bg1"/>
+              </a:solidFill>
+              <a:effectLst/>
+              <a:uLnTx/>
+              <a:uFillTx/>
+              <a:latin typeface="Calibri" panose="020F0502020204030204"/>
+              <a:ea typeface="+mn-ea"/>
+              <a:cs typeface="+mn-cs"/>
+            </a:endParaRPr>
+          </a:p>
+        </p:txBody>
+      </p:sp>
     </p:spTree>
     <p:extLst>
       <p:ext uri="{BB962C8B-B14F-4D97-AF65-F5344CB8AC3E}">
-        <p14:creationId xmlns:p14="http://schemas.microsoft.com/office/powerpoint/2010/main" val="3630712848"/>
+        <p14:creationId xmlns:p14="http://schemas.microsoft.com/office/powerpoint/2010/main" val="1690547639"/>
       </p:ext>
     </p:extLst>
   </p:cSld>
@@ -8284,10 +7948,10 @@
       </p:grpSpPr>
       <p:sp>
         <p:nvSpPr>
-          <p:cNvPr id="20" name="Rectangle 19">
-            <a:extLst>
-              <a:ext uri="{FF2B5EF4-FFF2-40B4-BE49-F238E27FC236}">
-                <a16:creationId xmlns:a16="http://schemas.microsoft.com/office/drawing/2014/main" id="{867D4867-5BA7-4462-B2F6-A23F4A622AA7}"/>
+          <p:cNvPr id="11" name="Rectangle 10">
+            <a:extLst>
+              <a:ext uri="{FF2B5EF4-FFF2-40B4-BE49-F238E27FC236}">
+                <a16:creationId xmlns:a16="http://schemas.microsoft.com/office/drawing/2014/main" id="{CDA1A2E9-63FE-408D-A803-8E306ECAB4B3}"/>
               </a:ext>
               <a:ext uri="{C183D7F6-B498-43B3-948B-1728B52AA6E4}">
                 <adec:decorative xmlns:adec="http://schemas.microsoft.com/office/drawing/2017/decorative" val="1"/>
@@ -8307,31 +7971,32 @@
         </p:nvSpPr>
         <p:spPr>
           <a:xfrm>
-            <a:off x="0" y="0"/>
-            <a:ext cx="4654296" cy="6858000"/>
+            <a:off x="462058" y="450221"/>
+            <a:ext cx="11272742" cy="3918123"/>
           </a:xfrm>
           <a:prstGeom prst="rect">
             <a:avLst/>
           </a:prstGeom>
           <a:solidFill>
-            <a:schemeClr val="tx1">
-              <a:lumMod val="75000"/>
-              <a:lumOff val="25000"/>
-            </a:schemeClr>
+            <a:srgbClr val="404040">
+              <a:alpha val="95000"/>
+            </a:srgbClr>
           </a:solidFill>
-          <a:ln>
+          <a:ln w="25400">
             <a:noFill/>
           </a:ln>
         </p:spPr>
         <p:style>
-          <a:lnRef idx="0">
-            <a:scrgbClr r="0" g="0" b="0"/>
+          <a:lnRef idx="2">
+            <a:schemeClr val="accent1">
+              <a:shade val="50000"/>
+            </a:schemeClr>
           </a:lnRef>
-          <a:fillRef idx="0">
-            <a:scrgbClr r="0" g="0" b="0"/>
+          <a:fillRef idx="1">
+            <a:schemeClr val="accent1"/>
           </a:fillRef>
           <a:effectRef idx="0">
-            <a:scrgbClr r="0" g="0" b="0"/>
+            <a:schemeClr val="accent1"/>
           </a:effectRef>
           <a:fontRef idx="minor">
             <a:schemeClr val="lt1"/>
@@ -8341,150 +8006,326 @@
           <a:bodyPr rtlCol="0" anchor="ctr"/>
           <a:lstStyle/>
           <a:p>
-            <a:pPr algn="ctr"/>
-            <a:endParaRPr lang="en-US"/>
-          </a:p>
-        </p:txBody>
-      </p:sp>
-      <p:sp>
-        <p:nvSpPr>
-          <p:cNvPr id="8" name="Title 1">
-            <a:extLst>
-              <a:ext uri="{FF2B5EF4-FFF2-40B4-BE49-F238E27FC236}">
-                <a16:creationId xmlns:a16="http://schemas.microsoft.com/office/drawing/2014/main" id="{48B68405-4276-4BAD-A9EC-CD0211259C2D}"/>
-              </a:ext>
-            </a:extLst>
-          </p:cNvPr>
-          <p:cNvSpPr txBox="1">
-            <a:spLocks/>
+            <a:pPr marL="0" marR="0" lvl="0" indent="0" algn="ctr" defTabSz="914400" rtl="0" eaLnBrk="1" fontAlgn="auto" latinLnBrk="0" hangingPunct="1">
+              <a:lnSpc>
+                <a:spcPct val="100000"/>
+              </a:lnSpc>
+              <a:spcBef>
+                <a:spcPts val="0"/>
+              </a:spcBef>
+              <a:spcAft>
+                <a:spcPts val="0"/>
+              </a:spcAft>
+              <a:buClrTx/>
+              <a:buSzTx/>
+              <a:buFontTx/>
+              <a:buNone/>
+              <a:tabLst/>
+              <a:defRPr/>
+            </a:pPr>
+            <a:endParaRPr kumimoji="0" lang="en-US" sz="1800" b="0" i="0" u="none" strike="noStrike" kern="1200" cap="none" spc="0" normalizeH="0" baseline="0" noProof="0">
+              <a:ln>
+                <a:noFill/>
+              </a:ln>
+              <a:solidFill>
+                <a:srgbClr val="404040"/>
+              </a:solidFill>
+              <a:effectLst/>
+              <a:uLnTx/>
+              <a:uFillTx/>
+              <a:latin typeface="Calibri" panose="020F0502020204030204"/>
+              <a:ea typeface="+mn-ea"/>
+              <a:cs typeface="+mn-cs"/>
+            </a:endParaRPr>
+          </a:p>
+        </p:txBody>
+      </p:sp>
+      <p:sp>
+        <p:nvSpPr>
+          <p:cNvPr id="2" name="Title 1">
+            <a:extLst>
+              <a:ext uri="{FF2B5EF4-FFF2-40B4-BE49-F238E27FC236}">
+                <a16:creationId xmlns:a16="http://schemas.microsoft.com/office/drawing/2014/main" id="{03B1199F-89E8-4D86-BBC6-B05C761A1FAA}"/>
+              </a:ext>
+            </a:extLst>
+          </p:cNvPr>
+          <p:cNvSpPr>
+            <a:spLocks noGrp="1"/>
           </p:cNvSpPr>
-          <p:nvPr/>
-        </p:nvSpPr>
-        <p:spPr>
-          <a:xfrm>
-            <a:off x="428009" y="372278"/>
-            <a:ext cx="3798277" cy="5980755"/>
+          <p:nvPr>
+            <p:ph type="ctrTitle"/>
+          </p:nvPr>
+        </p:nvSpPr>
+        <p:spPr>
+          <a:xfrm>
+            <a:off x="1100669" y="1111086"/>
+            <a:ext cx="10011831" cy="2623885"/>
+          </a:xfrm>
+        </p:spPr>
+        <p:txBody>
+          <a:bodyPr anchor="ctr">
+            <a:normAutofit/>
+          </a:bodyPr>
+          <a:lstStyle/>
+          <a:p>
+            <a:pPr algn="l"/>
+            <a:r>
+              <a:rPr lang="en-US" sz="4200" dirty="0">
+                <a:solidFill>
+                  <a:srgbClr val="FFFFFF"/>
+                </a:solidFill>
+              </a:rPr>
+              <a:t>How did the specific individual freedom factors vary over the 10-year time period for just the United States?</a:t>
+            </a:r>
+            <a:br>
+              <a:rPr lang="en-US" sz="4200" dirty="0">
+                <a:solidFill>
+                  <a:srgbClr val="FFFFFF"/>
+                </a:solidFill>
+              </a:rPr>
+            </a:br>
+            <a:endParaRPr lang="en-US" sz="4200" dirty="0">
+              <a:solidFill>
+                <a:srgbClr val="FFFFFF"/>
+              </a:solidFill>
+            </a:endParaRPr>
+          </a:p>
+        </p:txBody>
+      </p:sp>
+      <p:sp>
+        <p:nvSpPr>
+          <p:cNvPr id="13" name="Rectangle 12">
+            <a:extLst>
+              <a:ext uri="{FF2B5EF4-FFF2-40B4-BE49-F238E27FC236}">
+                <a16:creationId xmlns:a16="http://schemas.microsoft.com/office/drawing/2014/main" id="{FBE9F90C-C163-435B-9A68-D15C92D1CF2B}"/>
+              </a:ext>
+              <a:ext uri="{C183D7F6-B498-43B3-948B-1728B52AA6E4}">
+                <adec:decorative xmlns:adec="http://schemas.microsoft.com/office/drawing/2017/decorative" val="1"/>
+              </a:ext>
+            </a:extLst>
+          </p:cNvPr>
+          <p:cNvSpPr>
+            <a:spLocks noGrp="1" noRot="1" noChangeAspect="1" noMove="1" noResize="1" noEditPoints="1" noAdjustHandles="1" noChangeArrowheads="1" noChangeShapeType="1" noTextEdit="1"/>
+          </p:cNvSpPr>
+          <p:nvPr>
+            <p:extLst>
+              <p:ext uri="{386F3935-93C4-4BCD-93E2-E3B085C9AB24}">
+                <p16:designElem xmlns:p16="http://schemas.microsoft.com/office/powerpoint/2015/main" val="1"/>
+              </p:ext>
+            </p:extLst>
+          </p:nvPr>
+        </p:nvSpPr>
+        <p:spPr>
+          <a:xfrm>
+            <a:off x="457200" y="4521269"/>
+            <a:ext cx="6699246" cy="1877811"/>
           </a:xfrm>
           <a:prstGeom prst="rect">
             <a:avLst/>
           </a:prstGeom>
-          <a:noFill/>
-          <a:ln w="19050">
-            <a:solidFill>
-              <a:schemeClr val="bg1"/>
-            </a:solidFill>
+          <a:solidFill>
+            <a:srgbClr val="A5A5A5">
+              <a:alpha val="80000"/>
+            </a:srgbClr>
+          </a:solidFill>
+          <a:ln w="25400">
+            <a:noFill/>
           </a:ln>
         </p:spPr>
-        <p:txBody>
-          <a:bodyPr vert="horz" wrap="square" lIns="91440" tIns="45720" rIns="91440" bIns="45720" rtlCol="0" anchor="ctr">
+        <p:style>
+          <a:lnRef idx="2">
+            <a:schemeClr val="accent1">
+              <a:shade val="50000"/>
+            </a:schemeClr>
+          </a:lnRef>
+          <a:fillRef idx="1">
+            <a:schemeClr val="accent1"/>
+          </a:fillRef>
+          <a:effectRef idx="0">
+            <a:schemeClr val="accent1"/>
+          </a:effectRef>
+          <a:fontRef idx="minor">
+            <a:schemeClr val="lt1"/>
+          </a:fontRef>
+        </p:style>
+        <p:txBody>
+          <a:bodyPr rtlCol="0" anchor="ctr"/>
+          <a:lstStyle/>
+          <a:p>
+            <a:pPr marL="0" marR="0" lvl="0" indent="0" algn="ctr" defTabSz="914400" rtl="0" eaLnBrk="1" fontAlgn="auto" latinLnBrk="0" hangingPunct="1">
+              <a:lnSpc>
+                <a:spcPct val="100000"/>
+              </a:lnSpc>
+              <a:spcBef>
+                <a:spcPts val="0"/>
+              </a:spcBef>
+              <a:spcAft>
+                <a:spcPts val="0"/>
+              </a:spcAft>
+              <a:buClrTx/>
+              <a:buSzTx/>
+              <a:buFontTx/>
+              <a:buNone/>
+              <a:tabLst/>
+              <a:defRPr/>
+            </a:pPr>
+            <a:endParaRPr kumimoji="0" lang="en-US" sz="1800" b="0" i="0" u="none" strike="noStrike" kern="1200" cap="none" spc="0" normalizeH="0" baseline="0" noProof="0">
+              <a:ln>
+                <a:noFill/>
+              </a:ln>
+              <a:solidFill>
+                <a:srgbClr val="FFFFFF"/>
+              </a:solidFill>
+              <a:effectLst/>
+              <a:uLnTx/>
+              <a:uFillTx/>
+              <a:latin typeface="Calibri" panose="020F0502020204030204"/>
+              <a:ea typeface="+mn-ea"/>
+              <a:cs typeface="+mn-cs"/>
+            </a:endParaRPr>
+          </a:p>
+        </p:txBody>
+      </p:sp>
+      <p:sp>
+        <p:nvSpPr>
+          <p:cNvPr id="3" name="Subtitle 2">
+            <a:extLst>
+              <a:ext uri="{FF2B5EF4-FFF2-40B4-BE49-F238E27FC236}">
+                <a16:creationId xmlns:a16="http://schemas.microsoft.com/office/drawing/2014/main" id="{111EB45F-F0F2-481A-972E-049642464A0E}"/>
+              </a:ext>
+            </a:extLst>
+          </p:cNvPr>
+          <p:cNvSpPr>
+            <a:spLocks noGrp="1"/>
+          </p:cNvSpPr>
+          <p:nvPr>
+            <p:ph type="subTitle" idx="1"/>
+          </p:nvPr>
+        </p:nvSpPr>
+        <p:spPr>
+          <a:xfrm>
+            <a:off x="685800" y="4843002"/>
+            <a:ext cx="5827179" cy="1234345"/>
+          </a:xfrm>
+        </p:spPr>
+        <p:txBody>
+          <a:bodyPr anchor="ctr">
             <a:normAutofit/>
           </a:bodyPr>
-          <a:lstStyle>
-            <a:lvl1pPr algn="l" defTabSz="914400" rtl="0" eaLnBrk="1" latinLnBrk="0" hangingPunct="1">
+          <a:lstStyle/>
+          <a:p>
+            <a:pPr algn="l"/>
+            <a:r>
+              <a:rPr lang="en-US" sz="2000" dirty="0">
+                <a:solidFill>
+                  <a:srgbClr val="1B1B1B"/>
+                </a:solidFill>
+              </a:rPr>
+              <a:t>Use a line graph to compare each economic freedom score for the years 2010 through 2019 to show before and after effects of recession on the US.</a:t>
+            </a:r>
+          </a:p>
+        </p:txBody>
+      </p:sp>
+      <p:sp>
+        <p:nvSpPr>
+          <p:cNvPr id="15" name="Rectangle 14">
+            <a:extLst>
+              <a:ext uri="{FF2B5EF4-FFF2-40B4-BE49-F238E27FC236}">
+                <a16:creationId xmlns:a16="http://schemas.microsoft.com/office/drawing/2014/main" id="{1A882A9F-F4E9-4E23-8F0B-20B5DF42EAA9}"/>
+              </a:ext>
+              <a:ext uri="{C183D7F6-B498-43B3-948B-1728B52AA6E4}">
+                <adec:decorative xmlns:adec="http://schemas.microsoft.com/office/drawing/2017/decorative" val="1"/>
+              </a:ext>
+            </a:extLst>
+          </p:cNvPr>
+          <p:cNvSpPr>
+            <a:spLocks noGrp="1" noRot="1" noChangeAspect="1" noMove="1" noResize="1" noEditPoints="1" noAdjustHandles="1" noChangeArrowheads="1" noChangeShapeType="1" noTextEdit="1"/>
+          </p:cNvSpPr>
+          <p:nvPr>
+            <p:extLst>
+              <p:ext uri="{386F3935-93C4-4BCD-93E2-E3B085C9AB24}">
+                <p16:designElem xmlns:p16="http://schemas.microsoft.com/office/powerpoint/2015/main" val="1"/>
+              </p:ext>
+            </p:extLst>
+          </p:nvPr>
+        </p:nvSpPr>
+        <p:spPr>
+          <a:xfrm>
+            <a:off x="9619345" y="4521270"/>
+            <a:ext cx="2115455" cy="1890204"/>
+          </a:xfrm>
+          <a:prstGeom prst="rect">
+            <a:avLst/>
+          </a:prstGeom>
+          <a:solidFill>
+            <a:schemeClr val="accent1">
+              <a:alpha val="95000"/>
+            </a:schemeClr>
+          </a:solidFill>
+          <a:ln w="25400">
+            <a:noFill/>
+          </a:ln>
+        </p:spPr>
+        <p:style>
+          <a:lnRef idx="2">
+            <a:schemeClr val="accent1">
+              <a:shade val="50000"/>
+            </a:schemeClr>
+          </a:lnRef>
+          <a:fillRef idx="1">
+            <a:schemeClr val="accent1"/>
+          </a:fillRef>
+          <a:effectRef idx="0">
+            <a:schemeClr val="accent1"/>
+          </a:effectRef>
+          <a:fontRef idx="minor">
+            <a:schemeClr val="lt1"/>
+          </a:fontRef>
+        </p:style>
+        <p:txBody>
+          <a:bodyPr rtlCol="0" anchor="ctr"/>
+          <a:lstStyle/>
+          <a:p>
+            <a:pPr marL="0" marR="0" lvl="0" indent="0" algn="ctr" defTabSz="914400" rtl="0" eaLnBrk="1" fontAlgn="auto" latinLnBrk="0" hangingPunct="1">
               <a:lnSpc>
-                <a:spcPct val="90000"/>
+                <a:spcPct val="100000"/>
               </a:lnSpc>
               <a:spcBef>
-                <a:spcPct val="0"/>
+                <a:spcPts val="0"/>
               </a:spcBef>
+              <a:spcAft>
+                <a:spcPts val="0"/>
+              </a:spcAft>
+              <a:buClrTx/>
+              <a:buSzTx/>
+              <a:buFontTx/>
               <a:buNone/>
-              <a:defRPr sz="4400" kern="1200">
-                <a:solidFill>
-                  <a:schemeClr val="tx1"/>
-                </a:solidFill>
-                <a:latin typeface="+mj-lt"/>
-                <a:ea typeface="+mj-ea"/>
-                <a:cs typeface="+mj-cs"/>
-              </a:defRPr>
-            </a:lvl1pPr>
-          </a:lstStyle>
-          <a:p>
-            <a:pPr marL="457200" indent="-457200">
-              <a:buClr>
-                <a:srgbClr val="00B0F0"/>
-              </a:buClr>
-              <a:buFont typeface="Arial" panose="020B0604020202020204" pitchFamily="34" charset="0"/>
-              <a:buChar char="•"/>
+              <a:tabLst/>
+              <a:defRPr/>
             </a:pPr>
-            <a:r>
-              <a:rPr lang="en-US" sz="2800" dirty="0">
-                <a:solidFill>
-                  <a:schemeClr val="bg1"/>
-                </a:solidFill>
-              </a:rPr>
-              <a:t>Government spending satisfaction started and ended with the lowest score.</a:t>
-            </a:r>
-          </a:p>
-          <a:p>
-            <a:pPr marL="457200" indent="-457200">
-              <a:buClr>
-                <a:srgbClr val="00B0F0"/>
-              </a:buClr>
-              <a:buFont typeface="Arial" panose="020B0604020202020204" pitchFamily="34" charset="0"/>
-              <a:buChar char="•"/>
-            </a:pPr>
-            <a:endParaRPr lang="en-US" sz="2800" dirty="0">
+            <a:endParaRPr kumimoji="0" lang="en-US" sz="1800" b="0" i="0" u="none" strike="noStrike" kern="1200" cap="none" spc="0" normalizeH="0" baseline="0" noProof="0">
+              <a:ln>
+                <a:noFill/>
+              </a:ln>
               <a:solidFill>
-                <a:schemeClr val="bg1"/>
+                <a:srgbClr val="FFFFFF"/>
               </a:solidFill>
+              <a:effectLst/>
+              <a:uLnTx/>
+              <a:uFillTx/>
+              <a:latin typeface="Calibri" panose="020F0502020204030204"/>
+              <a:ea typeface="+mn-ea"/>
+              <a:cs typeface="+mn-cs"/>
             </a:endParaRPr>
-          </a:p>
-          <a:p>
-            <a:pPr marL="457200" indent="-457200">
-              <a:buClr>
-                <a:srgbClr val="00B0F0"/>
-              </a:buClr>
-              <a:buFont typeface="Arial" panose="020B0604020202020204" pitchFamily="34" charset="0"/>
-              <a:buChar char="•"/>
-            </a:pPr>
-            <a:r>
-              <a:rPr lang="en-US" sz="2800" dirty="0">
-                <a:solidFill>
-                  <a:schemeClr val="bg1"/>
-                </a:solidFill>
-              </a:rPr>
-              <a:t>The US seems to be most satisfied with our labor freedom.</a:t>
-            </a:r>
-          </a:p>
-          <a:p>
-            <a:pPr marL="457200" indent="-457200">
-              <a:buClr>
-                <a:srgbClr val="00B0F0"/>
-              </a:buClr>
-              <a:buFont typeface="Arial" panose="020B0604020202020204" pitchFamily="34" charset="0"/>
-              <a:buChar char="•"/>
-            </a:pPr>
-            <a:endParaRPr lang="en-US" sz="2800" dirty="0">
-              <a:solidFill>
-                <a:schemeClr val="bg1"/>
-              </a:solidFill>
-            </a:endParaRPr>
-          </a:p>
-          <a:p>
-            <a:pPr marL="457200" indent="-457200">
-              <a:buClr>
-                <a:srgbClr val="00B0F0"/>
-              </a:buClr>
-              <a:buFont typeface="Arial" panose="020B0604020202020204" pitchFamily="34" charset="0"/>
-              <a:buChar char="•"/>
-            </a:pPr>
-            <a:r>
-              <a:rPr lang="en-US" sz="2800" dirty="0">
-                <a:solidFill>
-                  <a:schemeClr val="bg1"/>
-                </a:solidFill>
-              </a:rPr>
-              <a:t>The trade freedom satisfaction category appeared to remain the most unchanged from 2008 – 2019.</a:t>
-            </a:r>
           </a:p>
         </p:txBody>
       </p:sp>
       <p:pic>
         <p:nvPicPr>
-          <p:cNvPr id="6" name="Picture 5" descr="A close up of a map&#10;&#10;Description automatically generated">
-            <a:extLst>
-              <a:ext uri="{FF2B5EF4-FFF2-40B4-BE49-F238E27FC236}">
-                <a16:creationId xmlns:a16="http://schemas.microsoft.com/office/drawing/2014/main" id="{4BE8DC8F-82CA-4C84-B61D-0739E9E9D4D8}"/>
+          <p:cNvPr id="5" name="Graphic 4" descr="Business Growth">
+            <a:extLst>
+              <a:ext uri="{FF2B5EF4-FFF2-40B4-BE49-F238E27FC236}">
+                <a16:creationId xmlns:a16="http://schemas.microsoft.com/office/drawing/2014/main" id="{AEC010BC-43F3-4AF4-B30B-198628DCA7B7}"/>
               </a:ext>
             </a:extLst>
           </p:cNvPr>
@@ -8493,21 +8334,64 @@
           </p:cNvPicPr>
           <p:nvPr/>
         </p:nvPicPr>
-        <p:blipFill rotWithShape="1">
+        <p:blipFill>
           <a:blip r:embed="rId2">
             <a:extLst>
               <a:ext uri="{28A0092B-C50C-407E-A947-70E740481C1C}">
                 <a14:useLocalDpi xmlns:a14="http://schemas.microsoft.com/office/drawing/2010/main" val="0"/>
               </a:ext>
+              <a:ext uri="{96DAC541-7B7A-43D3-8B79-37D633B846F1}">
+                <asvg:svgBlip xmlns:asvg="http://schemas.microsoft.com/office/drawing/2016/SVG/main" r:embed="rId3"/>
+              </a:ext>
             </a:extLst>
           </a:blip>
-          <a:srcRect t="5036" r="5791" b="5035"/>
-          <a:stretch/>
+          <a:stretch>
+            <a:fillRect/>
+          </a:stretch>
         </p:blipFill>
         <p:spPr>
           <a:xfrm>
-            <a:off x="4818728" y="54590"/>
-            <a:ext cx="7157186" cy="6741994"/>
+            <a:off x="10059899" y="4812753"/>
+            <a:ext cx="1264593" cy="1264593"/>
+          </a:xfrm>
+          <a:prstGeom prst="rect">
+            <a:avLst/>
+          </a:prstGeom>
+        </p:spPr>
+      </p:pic>
+      <p:pic>
+        <p:nvPicPr>
+          <p:cNvPr id="9" name="Graphic 8" descr="Piggy Bank">
+            <a:extLst>
+              <a:ext uri="{FF2B5EF4-FFF2-40B4-BE49-F238E27FC236}">
+                <a16:creationId xmlns:a16="http://schemas.microsoft.com/office/drawing/2014/main" id="{CEC79392-5350-4D35-965C-E270D032B6DD}"/>
+              </a:ext>
+            </a:extLst>
+          </p:cNvPr>
+          <p:cNvPicPr>
+            <a:picLocks noChangeAspect="1"/>
+          </p:cNvPicPr>
+          <p:nvPr/>
+        </p:nvPicPr>
+        <p:blipFill>
+          <a:blip r:embed="rId4">
+            <a:extLst>
+              <a:ext uri="{28A0092B-C50C-407E-A947-70E740481C1C}">
+                <a14:useLocalDpi xmlns:a14="http://schemas.microsoft.com/office/drawing/2010/main" val="0"/>
+              </a:ext>
+              <a:ext uri="{96DAC541-7B7A-43D3-8B79-37D633B846F1}">
+                <asvg:svgBlip xmlns:asvg="http://schemas.microsoft.com/office/drawing/2016/SVG/main" r:embed="rId5"/>
+              </a:ext>
+            </a:extLst>
+          </a:blip>
+          <a:stretch>
+            <a:fillRect/>
+          </a:stretch>
+        </p:blipFill>
+        <p:spPr>
+          <a:xfrm>
+            <a:off x="7614138" y="4843003"/>
+            <a:ext cx="1390928" cy="1390928"/>
           </a:xfrm>
           <a:prstGeom prst="rect">
             <a:avLst/>
@@ -8517,7 +8401,7 @@
     </p:spTree>
     <p:extLst>
       <p:ext uri="{BB962C8B-B14F-4D97-AF65-F5344CB8AC3E}">
-        <p14:creationId xmlns:p14="http://schemas.microsoft.com/office/powerpoint/2010/main" val="4237341"/>
+        <p14:creationId xmlns:p14="http://schemas.microsoft.com/office/powerpoint/2010/main" val="3630712848"/>
       </p:ext>
     </p:extLst>
   </p:cSld>
@@ -8870,6 +8754,14 @@
 <file path=ppt/slides/slide20.xml><?xml version="1.0" encoding="utf-8"?>
 <p:sld xmlns:a="http://schemas.openxmlformats.org/drawingml/2006/main" xmlns:r="http://schemas.openxmlformats.org/officeDocument/2006/relationships" xmlns:p="http://schemas.openxmlformats.org/presentationml/2006/main">
   <p:cSld>
+    <p:bg>
+      <p:bgPr>
+        <a:solidFill>
+          <a:schemeClr val="bg1"/>
+        </a:solidFill>
+        <a:effectLst/>
+      </p:bgPr>
+    </p:bg>
     <p:spTree>
       <p:nvGrpSpPr>
         <p:cNvPr id="1" name=""/>
@@ -8884,12 +8776,209 @@
           <a:chExt cx="0" cy="0"/>
         </a:xfrm>
       </p:grpSpPr>
+      <p:sp>
+        <p:nvSpPr>
+          <p:cNvPr id="20" name="Rectangle 19">
+            <a:extLst>
+              <a:ext uri="{FF2B5EF4-FFF2-40B4-BE49-F238E27FC236}">
+                <a16:creationId xmlns:a16="http://schemas.microsoft.com/office/drawing/2014/main" id="{867D4867-5BA7-4462-B2F6-A23F4A622AA7}"/>
+              </a:ext>
+              <a:ext uri="{C183D7F6-B498-43B3-948B-1728B52AA6E4}">
+                <adec:decorative xmlns:adec="http://schemas.microsoft.com/office/drawing/2017/decorative" val="1"/>
+              </a:ext>
+            </a:extLst>
+          </p:cNvPr>
+          <p:cNvSpPr>
+            <a:spLocks noGrp="1" noRot="1" noChangeAspect="1" noMove="1" noResize="1" noEditPoints="1" noAdjustHandles="1" noChangeArrowheads="1" noChangeShapeType="1" noTextEdit="1"/>
+          </p:cNvSpPr>
+          <p:nvPr>
+            <p:extLst>
+              <p:ext uri="{386F3935-93C4-4BCD-93E2-E3B085C9AB24}">
+                <p16:designElem xmlns:p16="http://schemas.microsoft.com/office/powerpoint/2015/main" val="1"/>
+              </p:ext>
+            </p:extLst>
+          </p:nvPr>
+        </p:nvSpPr>
+        <p:spPr>
+          <a:xfrm>
+            <a:off x="0" y="0"/>
+            <a:ext cx="4654296" cy="6858000"/>
+          </a:xfrm>
+          <a:prstGeom prst="rect">
+            <a:avLst/>
+          </a:prstGeom>
+          <a:solidFill>
+            <a:schemeClr val="tx1">
+              <a:lumMod val="75000"/>
+              <a:lumOff val="25000"/>
+            </a:schemeClr>
+          </a:solidFill>
+          <a:ln>
+            <a:noFill/>
+          </a:ln>
+        </p:spPr>
+        <p:style>
+          <a:lnRef idx="0">
+            <a:scrgbClr r="0" g="0" b="0"/>
+          </a:lnRef>
+          <a:fillRef idx="0">
+            <a:scrgbClr r="0" g="0" b="0"/>
+          </a:fillRef>
+          <a:effectRef idx="0">
+            <a:scrgbClr r="0" g="0" b="0"/>
+          </a:effectRef>
+          <a:fontRef idx="minor">
+            <a:schemeClr val="lt1"/>
+          </a:fontRef>
+        </p:style>
+        <p:txBody>
+          <a:bodyPr rtlCol="0" anchor="ctr"/>
+          <a:lstStyle/>
+          <a:p>
+            <a:pPr algn="ctr"/>
+            <a:endParaRPr lang="en-US"/>
+          </a:p>
+        </p:txBody>
+      </p:sp>
+      <p:sp>
+        <p:nvSpPr>
+          <p:cNvPr id="8" name="Title 1">
+            <a:extLst>
+              <a:ext uri="{FF2B5EF4-FFF2-40B4-BE49-F238E27FC236}">
+                <a16:creationId xmlns:a16="http://schemas.microsoft.com/office/drawing/2014/main" id="{48B68405-4276-4BAD-A9EC-CD0211259C2D}"/>
+              </a:ext>
+            </a:extLst>
+          </p:cNvPr>
+          <p:cNvSpPr txBox="1">
+            <a:spLocks/>
+          </p:cNvSpPr>
+          <p:nvPr/>
+        </p:nvSpPr>
+        <p:spPr>
+          <a:xfrm>
+            <a:off x="428009" y="372278"/>
+            <a:ext cx="3798277" cy="5980755"/>
+          </a:xfrm>
+          <a:prstGeom prst="rect">
+            <a:avLst/>
+          </a:prstGeom>
+          <a:noFill/>
+          <a:ln w="19050">
+            <a:solidFill>
+              <a:schemeClr val="bg1"/>
+            </a:solidFill>
+          </a:ln>
+        </p:spPr>
+        <p:txBody>
+          <a:bodyPr vert="horz" wrap="square" lIns="91440" tIns="45720" rIns="91440" bIns="45720" rtlCol="0" anchor="ctr">
+            <a:normAutofit/>
+          </a:bodyPr>
+          <a:lstStyle>
+            <a:lvl1pPr algn="l" defTabSz="914400" rtl="0" eaLnBrk="1" latinLnBrk="0" hangingPunct="1">
+              <a:lnSpc>
+                <a:spcPct val="90000"/>
+              </a:lnSpc>
+              <a:spcBef>
+                <a:spcPct val="0"/>
+              </a:spcBef>
+              <a:buNone/>
+              <a:defRPr sz="4400" kern="1200">
+                <a:solidFill>
+                  <a:schemeClr val="tx1"/>
+                </a:solidFill>
+                <a:latin typeface="+mj-lt"/>
+                <a:ea typeface="+mj-ea"/>
+                <a:cs typeface="+mj-cs"/>
+              </a:defRPr>
+            </a:lvl1pPr>
+          </a:lstStyle>
+          <a:p>
+            <a:pPr marL="457200" indent="-457200">
+              <a:buClr>
+                <a:srgbClr val="00B0F0"/>
+              </a:buClr>
+              <a:buFont typeface="Arial" panose="020B0604020202020204" pitchFamily="34" charset="0"/>
+              <a:buChar char="•"/>
+            </a:pPr>
+            <a:r>
+              <a:rPr lang="en-US" sz="2800" dirty="0">
+                <a:solidFill>
+                  <a:schemeClr val="bg1"/>
+                </a:solidFill>
+              </a:rPr>
+              <a:t>Government spending satisfaction started and ended with the lowest score.</a:t>
+            </a:r>
+          </a:p>
+          <a:p>
+            <a:pPr marL="457200" indent="-457200">
+              <a:buClr>
+                <a:srgbClr val="00B0F0"/>
+              </a:buClr>
+              <a:buFont typeface="Arial" panose="020B0604020202020204" pitchFamily="34" charset="0"/>
+              <a:buChar char="•"/>
+            </a:pPr>
+            <a:endParaRPr lang="en-US" sz="2800" dirty="0">
+              <a:solidFill>
+                <a:schemeClr val="bg1"/>
+              </a:solidFill>
+            </a:endParaRPr>
+          </a:p>
+          <a:p>
+            <a:pPr marL="457200" indent="-457200">
+              <a:buClr>
+                <a:srgbClr val="00B0F0"/>
+              </a:buClr>
+              <a:buFont typeface="Arial" panose="020B0604020202020204" pitchFamily="34" charset="0"/>
+              <a:buChar char="•"/>
+            </a:pPr>
+            <a:r>
+              <a:rPr lang="en-US" sz="2800" dirty="0">
+                <a:solidFill>
+                  <a:schemeClr val="bg1"/>
+                </a:solidFill>
+              </a:rPr>
+              <a:t>The US seems to be most satisfied with our labor freedom.</a:t>
+            </a:r>
+          </a:p>
+          <a:p>
+            <a:pPr marL="457200" indent="-457200">
+              <a:buClr>
+                <a:srgbClr val="00B0F0"/>
+              </a:buClr>
+              <a:buFont typeface="Arial" panose="020B0604020202020204" pitchFamily="34" charset="0"/>
+              <a:buChar char="•"/>
+            </a:pPr>
+            <a:endParaRPr lang="en-US" sz="2800" dirty="0">
+              <a:solidFill>
+                <a:schemeClr val="bg1"/>
+              </a:solidFill>
+            </a:endParaRPr>
+          </a:p>
+          <a:p>
+            <a:pPr marL="457200" indent="-457200">
+              <a:buClr>
+                <a:srgbClr val="00B0F0"/>
+              </a:buClr>
+              <a:buFont typeface="Arial" panose="020B0604020202020204" pitchFamily="34" charset="0"/>
+              <a:buChar char="•"/>
+            </a:pPr>
+            <a:r>
+              <a:rPr lang="en-US" sz="2800" dirty="0">
+                <a:solidFill>
+                  <a:schemeClr val="bg1"/>
+                </a:solidFill>
+              </a:rPr>
+              <a:t>The trade freedom satisfaction category appeared to remain the most unchanged from 2008 – 2019.</a:t>
+            </a:r>
+          </a:p>
+        </p:txBody>
+      </p:sp>
       <p:pic>
         <p:nvPicPr>
-          <p:cNvPr id="3" name="Content Placeholder 4">
-            <a:extLst>
-              <a:ext uri="{FF2B5EF4-FFF2-40B4-BE49-F238E27FC236}">
-                <a16:creationId xmlns:a16="http://schemas.microsoft.com/office/drawing/2014/main" id="{B3297749-A8E5-4099-BAA1-576D8DEFE883}"/>
+          <p:cNvPr id="6" name="Picture 5" descr="A close up of a map&#10;&#10;Description automatically generated">
+            <a:extLst>
+              <a:ext uri="{FF2B5EF4-FFF2-40B4-BE49-F238E27FC236}">
+                <a16:creationId xmlns:a16="http://schemas.microsoft.com/office/drawing/2014/main" id="{4BE8DC8F-82CA-4C84-B61D-0739E9E9D4D8}"/>
               </a:ext>
             </a:extLst>
           </p:cNvPr>
@@ -8906,43 +8995,13 @@
               </a:ext>
             </a:extLst>
           </a:blip>
-          <a:srcRect l="8666" t="8959" r="7211" b="7505"/>
+          <a:srcRect t="5036" r="5791" b="5035"/>
           <a:stretch/>
         </p:blipFill>
         <p:spPr>
           <a:xfrm>
-            <a:off x="471164" y="1185566"/>
-            <a:ext cx="11249671" cy="5585605"/>
-          </a:xfrm>
-          <a:prstGeom prst="rect">
-            <a:avLst/>
-          </a:prstGeom>
-        </p:spPr>
-      </p:pic>
-      <p:pic>
-        <p:nvPicPr>
-          <p:cNvPr id="4" name="Picture 3">
-            <a:extLst>
-              <a:ext uri="{FF2B5EF4-FFF2-40B4-BE49-F238E27FC236}">
-                <a16:creationId xmlns:a16="http://schemas.microsoft.com/office/drawing/2014/main" id="{65108017-30CC-4858-9E29-328EC09ED28F}"/>
-              </a:ext>
-            </a:extLst>
-          </p:cNvPr>
-          <p:cNvPicPr>
-            <a:picLocks noChangeAspect="1"/>
-          </p:cNvPicPr>
-          <p:nvPr/>
-        </p:nvPicPr>
-        <p:blipFill>
-          <a:blip r:embed="rId3"/>
-          <a:stretch>
-            <a:fillRect/>
-          </a:stretch>
-        </p:blipFill>
-        <p:spPr>
-          <a:xfrm>
-            <a:off x="97974" y="86829"/>
-            <a:ext cx="12001500" cy="1029182"/>
+            <a:off x="4818728" y="54590"/>
+            <a:ext cx="7157186" cy="6741994"/>
           </a:xfrm>
           <a:prstGeom prst="rect">
             <a:avLst/>
@@ -8952,7 +9011,7 @@
     </p:spTree>
     <p:extLst>
       <p:ext uri="{BB962C8B-B14F-4D97-AF65-F5344CB8AC3E}">
-        <p14:creationId xmlns:p14="http://schemas.microsoft.com/office/powerpoint/2010/main" val="2850499596"/>
+        <p14:creationId xmlns:p14="http://schemas.microsoft.com/office/powerpoint/2010/main" val="4237341"/>
       </p:ext>
     </p:extLst>
   </p:cSld>
@@ -8984,10 +9043,45 @@
       </p:grpSpPr>
       <p:pic>
         <p:nvPicPr>
-          <p:cNvPr id="7" name="Picture 6">
-            <a:extLst>
-              <a:ext uri="{FF2B5EF4-FFF2-40B4-BE49-F238E27FC236}">
-                <a16:creationId xmlns:a16="http://schemas.microsoft.com/office/drawing/2014/main" id="{1D333853-9F1C-4689-ABB7-F739D2A04090}"/>
+          <p:cNvPr id="3" name="Content Placeholder 4">
+            <a:extLst>
+              <a:ext uri="{FF2B5EF4-FFF2-40B4-BE49-F238E27FC236}">
+                <a16:creationId xmlns:a16="http://schemas.microsoft.com/office/drawing/2014/main" id="{B3297749-A8E5-4099-BAA1-576D8DEFE883}"/>
+              </a:ext>
+            </a:extLst>
+          </p:cNvPr>
+          <p:cNvPicPr>
+            <a:picLocks noChangeAspect="1"/>
+          </p:cNvPicPr>
+          <p:nvPr/>
+        </p:nvPicPr>
+        <p:blipFill rotWithShape="1">
+          <a:blip r:embed="rId2">
+            <a:extLst>
+              <a:ext uri="{28A0092B-C50C-407E-A947-70E740481C1C}">
+                <a14:useLocalDpi xmlns:a14="http://schemas.microsoft.com/office/drawing/2010/main" val="0"/>
+              </a:ext>
+            </a:extLst>
+          </a:blip>
+          <a:srcRect l="8666" t="8959" r="7211" b="7505"/>
+          <a:stretch/>
+        </p:blipFill>
+        <p:spPr>
+          <a:xfrm>
+            <a:off x="471164" y="1185566"/>
+            <a:ext cx="11249671" cy="5585605"/>
+          </a:xfrm>
+          <a:prstGeom prst="rect">
+            <a:avLst/>
+          </a:prstGeom>
+        </p:spPr>
+      </p:pic>
+      <p:pic>
+        <p:nvPicPr>
+          <p:cNvPr id="4" name="Picture 3">
+            <a:extLst>
+              <a:ext uri="{FF2B5EF4-FFF2-40B4-BE49-F238E27FC236}">
+                <a16:creationId xmlns:a16="http://schemas.microsoft.com/office/drawing/2014/main" id="{65108017-30CC-4858-9E29-328EC09ED28F}"/>
               </a:ext>
             </a:extLst>
           </p:cNvPr>
@@ -8997,86 +9091,15 @@
           <p:nvPr/>
         </p:nvPicPr>
         <p:blipFill>
-          <a:blip r:embed="rId2"/>
+          <a:blip r:embed="rId3"/>
           <a:stretch>
             <a:fillRect/>
           </a:stretch>
         </p:blipFill>
         <p:spPr>
           <a:xfrm>
-            <a:off x="92526" y="70003"/>
-            <a:ext cx="12001500" cy="1029664"/>
-          </a:xfrm>
-          <a:prstGeom prst="rect">
-            <a:avLst/>
-          </a:prstGeom>
-        </p:spPr>
-      </p:pic>
-      <p:pic>
-        <p:nvPicPr>
-          <p:cNvPr id="8" name="Picture 7" descr="A screenshot of a cell phone&#10;&#10;Description automatically generated">
-            <a:extLst>
-              <a:ext uri="{FF2B5EF4-FFF2-40B4-BE49-F238E27FC236}">
-                <a16:creationId xmlns:a16="http://schemas.microsoft.com/office/drawing/2014/main" id="{FC2D8C2B-745F-48DF-80B7-BD6196978760}"/>
-              </a:ext>
-            </a:extLst>
-          </p:cNvPr>
-          <p:cNvPicPr>
-            <a:picLocks noChangeAspect="1"/>
-          </p:cNvPicPr>
-          <p:nvPr/>
-        </p:nvPicPr>
-        <p:blipFill>
-          <a:blip r:embed="rId3">
-            <a:extLst>
-              <a:ext uri="{28A0092B-C50C-407E-A947-70E740481C1C}">
-                <a14:useLocalDpi xmlns:a14="http://schemas.microsoft.com/office/drawing/2010/main" val="0"/>
-              </a:ext>
-            </a:extLst>
-          </a:blip>
-          <a:stretch>
-            <a:fillRect/>
-          </a:stretch>
-        </p:blipFill>
-        <p:spPr>
-          <a:xfrm>
-            <a:off x="360680" y="2045818"/>
-            <a:ext cx="2631965" cy="3478683"/>
-          </a:xfrm>
-          <a:prstGeom prst="rect">
-            <a:avLst/>
-          </a:prstGeom>
-        </p:spPr>
-      </p:pic>
-      <p:pic>
-        <p:nvPicPr>
-          <p:cNvPr id="9" name="Picture 8" descr="A close up of a map&#10;&#10;Description automatically generated">
-            <a:extLst>
-              <a:ext uri="{FF2B5EF4-FFF2-40B4-BE49-F238E27FC236}">
-                <a16:creationId xmlns:a16="http://schemas.microsoft.com/office/drawing/2014/main" id="{A466A232-B0E2-4B32-B227-51A584F0F162}"/>
-              </a:ext>
-            </a:extLst>
-          </p:cNvPr>
-          <p:cNvPicPr>
-            <a:picLocks noChangeAspect="1"/>
-          </p:cNvPicPr>
-          <p:nvPr/>
-        </p:nvPicPr>
-        <p:blipFill rotWithShape="1">
-          <a:blip r:embed="rId4">
-            <a:extLst>
-              <a:ext uri="{28A0092B-C50C-407E-A947-70E740481C1C}">
-                <a14:useLocalDpi xmlns:a14="http://schemas.microsoft.com/office/drawing/2010/main" val="0"/>
-              </a:ext>
-            </a:extLst>
-          </a:blip>
-          <a:srcRect l="7425" t="7795" r="5055" b="7488"/>
-          <a:stretch/>
-        </p:blipFill>
-        <p:spPr>
-          <a:xfrm>
-            <a:off x="3261002" y="1139040"/>
-            <a:ext cx="8766967" cy="5664530"/>
+            <a:off x="97974" y="86829"/>
+            <a:ext cx="12001500" cy="1029182"/>
           </a:xfrm>
           <a:prstGeom prst="rect">
             <a:avLst/>
@@ -9086,7 +9109,7 @@
     </p:spTree>
     <p:extLst>
       <p:ext uri="{BB962C8B-B14F-4D97-AF65-F5344CB8AC3E}">
-        <p14:creationId xmlns:p14="http://schemas.microsoft.com/office/powerpoint/2010/main" val="1005799171"/>
+        <p14:creationId xmlns:p14="http://schemas.microsoft.com/office/powerpoint/2010/main" val="2850499596"/>
       </p:ext>
     </p:extLst>
   </p:cSld>
@@ -9118,6 +9141,140 @@
       </p:grpSpPr>
       <p:pic>
         <p:nvPicPr>
+          <p:cNvPr id="7" name="Picture 6">
+            <a:extLst>
+              <a:ext uri="{FF2B5EF4-FFF2-40B4-BE49-F238E27FC236}">
+                <a16:creationId xmlns:a16="http://schemas.microsoft.com/office/drawing/2014/main" id="{1D333853-9F1C-4689-ABB7-F739D2A04090}"/>
+              </a:ext>
+            </a:extLst>
+          </p:cNvPr>
+          <p:cNvPicPr>
+            <a:picLocks noChangeAspect="1"/>
+          </p:cNvPicPr>
+          <p:nvPr/>
+        </p:nvPicPr>
+        <p:blipFill>
+          <a:blip r:embed="rId2"/>
+          <a:stretch>
+            <a:fillRect/>
+          </a:stretch>
+        </p:blipFill>
+        <p:spPr>
+          <a:xfrm>
+            <a:off x="92526" y="70003"/>
+            <a:ext cx="12001500" cy="1029664"/>
+          </a:xfrm>
+          <a:prstGeom prst="rect">
+            <a:avLst/>
+          </a:prstGeom>
+        </p:spPr>
+      </p:pic>
+      <p:pic>
+        <p:nvPicPr>
+          <p:cNvPr id="8" name="Picture 7" descr="A screenshot of a cell phone&#10;&#10;Description automatically generated">
+            <a:extLst>
+              <a:ext uri="{FF2B5EF4-FFF2-40B4-BE49-F238E27FC236}">
+                <a16:creationId xmlns:a16="http://schemas.microsoft.com/office/drawing/2014/main" id="{FC2D8C2B-745F-48DF-80B7-BD6196978760}"/>
+              </a:ext>
+            </a:extLst>
+          </p:cNvPr>
+          <p:cNvPicPr>
+            <a:picLocks noChangeAspect="1"/>
+          </p:cNvPicPr>
+          <p:nvPr/>
+        </p:nvPicPr>
+        <p:blipFill>
+          <a:blip r:embed="rId3">
+            <a:extLst>
+              <a:ext uri="{28A0092B-C50C-407E-A947-70E740481C1C}">
+                <a14:useLocalDpi xmlns:a14="http://schemas.microsoft.com/office/drawing/2010/main" val="0"/>
+              </a:ext>
+            </a:extLst>
+          </a:blip>
+          <a:stretch>
+            <a:fillRect/>
+          </a:stretch>
+        </p:blipFill>
+        <p:spPr>
+          <a:xfrm>
+            <a:off x="360680" y="2045818"/>
+            <a:ext cx="2631965" cy="3478683"/>
+          </a:xfrm>
+          <a:prstGeom prst="rect">
+            <a:avLst/>
+          </a:prstGeom>
+        </p:spPr>
+      </p:pic>
+      <p:pic>
+        <p:nvPicPr>
+          <p:cNvPr id="9" name="Picture 8" descr="A close up of a map&#10;&#10;Description automatically generated">
+            <a:extLst>
+              <a:ext uri="{FF2B5EF4-FFF2-40B4-BE49-F238E27FC236}">
+                <a16:creationId xmlns:a16="http://schemas.microsoft.com/office/drawing/2014/main" id="{A466A232-B0E2-4B32-B227-51A584F0F162}"/>
+              </a:ext>
+            </a:extLst>
+          </p:cNvPr>
+          <p:cNvPicPr>
+            <a:picLocks noChangeAspect="1"/>
+          </p:cNvPicPr>
+          <p:nvPr/>
+        </p:nvPicPr>
+        <p:blipFill rotWithShape="1">
+          <a:blip r:embed="rId4">
+            <a:extLst>
+              <a:ext uri="{28A0092B-C50C-407E-A947-70E740481C1C}">
+                <a14:useLocalDpi xmlns:a14="http://schemas.microsoft.com/office/drawing/2010/main" val="0"/>
+              </a:ext>
+            </a:extLst>
+          </a:blip>
+          <a:srcRect l="7425" t="7795" r="5055" b="7488"/>
+          <a:stretch/>
+        </p:blipFill>
+        <p:spPr>
+          <a:xfrm>
+            <a:off x="3261002" y="1139040"/>
+            <a:ext cx="8766967" cy="5664530"/>
+          </a:xfrm>
+          <a:prstGeom prst="rect">
+            <a:avLst/>
+          </a:prstGeom>
+        </p:spPr>
+      </p:pic>
+    </p:spTree>
+    <p:extLst>
+      <p:ext uri="{BB962C8B-B14F-4D97-AF65-F5344CB8AC3E}">
+        <p14:creationId xmlns:p14="http://schemas.microsoft.com/office/powerpoint/2010/main" val="1005799171"/>
+      </p:ext>
+    </p:extLst>
+  </p:cSld>
+  <p:clrMapOvr>
+    <a:masterClrMapping/>
+  </p:clrMapOvr>
+  <p:transition>
+    <p:split orient="vert"/>
+  </p:transition>
+</p:sld>
+</file>
+
+<file path=ppt/slides/slide23.xml><?xml version="1.0" encoding="utf-8"?>
+<p:sld xmlns:a="http://schemas.openxmlformats.org/drawingml/2006/main" xmlns:r="http://schemas.openxmlformats.org/officeDocument/2006/relationships" xmlns:p="http://schemas.openxmlformats.org/presentationml/2006/main">
+  <p:cSld>
+    <p:spTree>
+      <p:nvGrpSpPr>
+        <p:cNvPr id="1" name=""/>
+        <p:cNvGrpSpPr/>
+        <p:nvPr/>
+      </p:nvGrpSpPr>
+      <p:grpSpPr>
+        <a:xfrm>
+          <a:off x="0" y="0"/>
+          <a:ext cx="0" cy="0"/>
+          <a:chOff x="0" y="0"/>
+          <a:chExt cx="0" cy="0"/>
+        </a:xfrm>
+      </p:grpSpPr>
+      <p:pic>
+        <p:nvPicPr>
           <p:cNvPr id="2" name="Picture 1">
             <a:extLst>
               <a:ext uri="{FF2B5EF4-FFF2-40B4-BE49-F238E27FC236}">
@@ -9220,7 +9377,7 @@
 </p:sld>
 </file>
 
-<file path=ppt/slides/slide23.xml><?xml version="1.0" encoding="utf-8"?>
+<file path=ppt/slides/slide24.xml><?xml version="1.0" encoding="utf-8"?>
 <p:sld xmlns:a="http://schemas.openxmlformats.org/drawingml/2006/main" xmlns:r="http://schemas.openxmlformats.org/officeDocument/2006/relationships" xmlns:p="http://schemas.openxmlformats.org/presentationml/2006/main">
   <p:cSld>
     <p:bg>
@@ -9502,7 +9659,7 @@
 </p:sld>
 </file>
 
-<file path=ppt/slides/slide24.xml><?xml version="1.0" encoding="utf-8"?>
+<file path=ppt/slides/slide25.xml><?xml version="1.0" encoding="utf-8"?>
 <p:sld xmlns:a="http://schemas.openxmlformats.org/drawingml/2006/main" xmlns:r="http://schemas.openxmlformats.org/officeDocument/2006/relationships" xmlns:p="http://schemas.openxmlformats.org/presentationml/2006/main" show="0">
   <p:cSld>
     <p:bg>
@@ -9782,7 +9939,7 @@
 </p:sld>
 </file>
 
-<file path=ppt/slides/slide25.xml><?xml version="1.0" encoding="utf-8"?>
+<file path=ppt/slides/slide26.xml><?xml version="1.0" encoding="utf-8"?>
 <p:sld xmlns:a="http://schemas.openxmlformats.org/drawingml/2006/main" xmlns:r="http://schemas.openxmlformats.org/officeDocument/2006/relationships" xmlns:p="http://schemas.openxmlformats.org/presentationml/2006/main">
   <p:cSld>
     <p:spTree>
@@ -10046,16 +10203,8 @@
 </file>
 
 <file path=ppt/slides/slide4.xml><?xml version="1.0" encoding="utf-8"?>
-<p:sld xmlns:a="http://schemas.openxmlformats.org/drawingml/2006/main" xmlns:r="http://schemas.openxmlformats.org/officeDocument/2006/relationships" xmlns:p="http://schemas.openxmlformats.org/presentationml/2006/main">
+<p:sld xmlns:a="http://schemas.openxmlformats.org/drawingml/2006/main" xmlns:r="http://schemas.openxmlformats.org/officeDocument/2006/relationships" xmlns:p="http://schemas.openxmlformats.org/presentationml/2006/main" show="0">
   <p:cSld>
-    <p:bg>
-      <p:bgPr>
-        <a:solidFill>
-          <a:schemeClr val="bg1"/>
-        </a:solidFill>
-        <a:effectLst/>
-      </p:bgPr>
-    </p:bg>
     <p:spTree>
       <p:nvGrpSpPr>
         <p:cNvPr id="1" name=""/>
@@ -10070,76 +10219,12 @@
           <a:chExt cx="0" cy="0"/>
         </a:xfrm>
       </p:grpSpPr>
-      <p:sp>
-        <p:nvSpPr>
-          <p:cNvPr id="20" name="Rectangle 19">
-            <a:extLst>
-              <a:ext uri="{FF2B5EF4-FFF2-40B4-BE49-F238E27FC236}">
-                <a16:creationId xmlns:a16="http://schemas.microsoft.com/office/drawing/2014/main" id="{867D4867-5BA7-4462-B2F6-A23F4A622AA7}"/>
-              </a:ext>
-              <a:ext uri="{C183D7F6-B498-43B3-948B-1728B52AA6E4}">
-                <adec:decorative xmlns:adec="http://schemas.microsoft.com/office/drawing/2017/decorative" val="1"/>
-              </a:ext>
-            </a:extLst>
-          </p:cNvPr>
-          <p:cNvSpPr>
-            <a:spLocks noGrp="1" noRot="1" noChangeAspect="1" noMove="1" noResize="1" noEditPoints="1" noAdjustHandles="1" noChangeArrowheads="1" noChangeShapeType="1" noTextEdit="1"/>
-          </p:cNvSpPr>
-          <p:nvPr>
-            <p:extLst>
-              <p:ext uri="{386F3935-93C4-4BCD-93E2-E3B085C9AB24}">
-                <p16:designElem xmlns:p16="http://schemas.microsoft.com/office/powerpoint/2015/main" val="1"/>
-              </p:ext>
-            </p:extLst>
-          </p:nvPr>
-        </p:nvSpPr>
-        <p:spPr>
-          <a:xfrm>
-            <a:off x="0" y="0"/>
-            <a:ext cx="4654296" cy="6858000"/>
-          </a:xfrm>
-          <a:prstGeom prst="rect">
-            <a:avLst/>
-          </a:prstGeom>
-          <a:solidFill>
-            <a:schemeClr val="tx1">
-              <a:lumMod val="75000"/>
-              <a:lumOff val="25000"/>
-            </a:schemeClr>
-          </a:solidFill>
-          <a:ln>
-            <a:noFill/>
-          </a:ln>
-        </p:spPr>
-        <p:style>
-          <a:lnRef idx="0">
-            <a:scrgbClr r="0" g="0" b="0"/>
-          </a:lnRef>
-          <a:fillRef idx="0">
-            <a:scrgbClr r="0" g="0" b="0"/>
-          </a:fillRef>
-          <a:effectRef idx="0">
-            <a:scrgbClr r="0" g="0" b="0"/>
-          </a:effectRef>
-          <a:fontRef idx="minor">
-            <a:schemeClr val="lt1"/>
-          </a:fontRef>
-        </p:style>
-        <p:txBody>
-          <a:bodyPr rtlCol="0" anchor="ctr"/>
-          <a:lstStyle/>
-          <a:p>
-            <a:pPr algn="ctr"/>
-            <a:endParaRPr lang="en-US"/>
-          </a:p>
-        </p:txBody>
-      </p:sp>
       <p:pic>
         <p:nvPicPr>
-          <p:cNvPr id="6" name="Picture 5" descr="A close up of a map&#10;&#10;Description automatically generated">
-            <a:extLst>
-              <a:ext uri="{FF2B5EF4-FFF2-40B4-BE49-F238E27FC236}">
-                <a16:creationId xmlns:a16="http://schemas.microsoft.com/office/drawing/2014/main" id="{37A3F3BE-64DE-423B-B8A2-B277D45CB19E}"/>
+          <p:cNvPr id="2" name="Picture 1">
+            <a:extLst>
+              <a:ext uri="{FF2B5EF4-FFF2-40B4-BE49-F238E27FC236}">
+                <a16:creationId xmlns:a16="http://schemas.microsoft.com/office/drawing/2014/main" id="{0FDE6530-AF02-4D91-AEC6-0750EC950990}"/>
               </a:ext>
             </a:extLst>
           </p:cNvPr>
@@ -10149,20 +10234,14 @@
           <p:nvPr/>
         </p:nvPicPr>
         <p:blipFill rotWithShape="1">
-          <a:blip r:embed="rId2">
-            <a:extLst>
-              <a:ext uri="{28A0092B-C50C-407E-A947-70E740481C1C}">
-                <a14:useLocalDpi xmlns:a14="http://schemas.microsoft.com/office/drawing/2010/main" val="0"/>
-              </a:ext>
-            </a:extLst>
-          </a:blip>
-          <a:srcRect l="3604" r="6656" b="5316"/>
+          <a:blip r:embed="rId2"/>
+          <a:srcRect b="41933"/>
           <a:stretch/>
         </p:blipFill>
         <p:spPr>
           <a:xfrm>
-            <a:off x="4663982" y="372278"/>
-            <a:ext cx="7528018" cy="5957080"/>
+            <a:off x="0" y="0"/>
+            <a:ext cx="12192000" cy="6857999"/>
           </a:xfrm>
           <a:prstGeom prst="rect">
             <a:avLst/>
@@ -10171,10 +10250,10 @@
       </p:pic>
       <p:sp>
         <p:nvSpPr>
-          <p:cNvPr id="9" name="Title 1">
-            <a:extLst>
-              <a:ext uri="{FF2B5EF4-FFF2-40B4-BE49-F238E27FC236}">
-                <a16:creationId xmlns:a16="http://schemas.microsoft.com/office/drawing/2014/main" id="{F9AE0093-365B-4F50-8D74-D80CA1251654}"/>
+          <p:cNvPr id="3" name="Title 1">
+            <a:extLst>
+              <a:ext uri="{FF2B5EF4-FFF2-40B4-BE49-F238E27FC236}">
+                <a16:creationId xmlns:a16="http://schemas.microsoft.com/office/drawing/2014/main" id="{631F79C8-466C-4C70-B88F-D97FFE2AD004}"/>
               </a:ext>
             </a:extLst>
           </p:cNvPr>
@@ -10185,21 +10264,15 @@
         </p:nvSpPr>
         <p:spPr>
           <a:xfrm>
-            <a:off x="428009" y="1828476"/>
-            <a:ext cx="3798277" cy="3044683"/>
+            <a:off x="700817" y="1071465"/>
+            <a:ext cx="10789053" cy="2840037"/>
           </a:xfrm>
           <a:prstGeom prst="rect">
             <a:avLst/>
           </a:prstGeom>
-          <a:noFill/>
-          <a:ln w="19050">
-            <a:solidFill>
-              <a:schemeClr val="bg1"/>
-            </a:solidFill>
-          </a:ln>
-        </p:spPr>
-        <p:txBody>
-          <a:bodyPr vert="horz" wrap="square" lIns="91440" tIns="45720" rIns="91440" bIns="45720" rtlCol="0" anchor="ctr">
+        </p:spPr>
+        <p:txBody>
+          <a:bodyPr vert="horz" lIns="91440" tIns="45720" rIns="91440" bIns="45720" rtlCol="0" anchor="b">
             <a:normAutofit/>
           </a:bodyPr>
           <a:lstStyle>
@@ -10223,103 +10296,18 @@
           </a:lstStyle>
           <a:p>
             <a:pPr algn="ctr"/>
-            <a:r>
-              <a:rPr lang="en-US" sz="3600" dirty="0">
-                <a:solidFill>
-                  <a:srgbClr val="00B0F0"/>
-                </a:solidFill>
-              </a:rPr>
-              <a:t>COMPARISON</a:t>
-            </a:r>
-          </a:p>
-          <a:p>
-            <a:pPr algn="ctr"/>
-            <a:endParaRPr lang="en-US" sz="2800" dirty="0">
+            <a:endParaRPr lang="en-US" sz="5800" dirty="0">
               <a:solidFill>
                 <a:schemeClr val="bg1"/>
               </a:solidFill>
             </a:endParaRPr>
           </a:p>
-          <a:p>
-            <a:pPr algn="ctr"/>
-            <a:r>
-              <a:rPr lang="en-US" sz="2800" dirty="0">
-                <a:solidFill>
-                  <a:schemeClr val="bg1"/>
-                </a:solidFill>
-              </a:rPr>
-              <a:t>GDP</a:t>
-            </a:r>
-          </a:p>
-          <a:p>
-            <a:pPr algn="ctr"/>
-            <a:r>
-              <a:rPr lang="en-US" sz="2800" dirty="0">
-                <a:solidFill>
-                  <a:schemeClr val="bg1"/>
-                </a:solidFill>
-              </a:rPr>
-              <a:t>&amp;</a:t>
-            </a:r>
-          </a:p>
-          <a:p>
-            <a:pPr algn="ctr"/>
-            <a:r>
-              <a:rPr lang="en-US" sz="2800" dirty="0">
-                <a:solidFill>
-                  <a:schemeClr val="bg1"/>
-                </a:solidFill>
-              </a:rPr>
-              <a:t>Economic Freedom Score</a:t>
-            </a:r>
-          </a:p>
-        </p:txBody>
-      </p:sp>
-      <p:cxnSp>
-        <p:nvCxnSpPr>
-          <p:cNvPr id="11" name="Straight Connector 10">
-            <a:extLst>
-              <a:ext uri="{FF2B5EF4-FFF2-40B4-BE49-F238E27FC236}">
-                <a16:creationId xmlns:a16="http://schemas.microsoft.com/office/drawing/2014/main" id="{4BFE2E04-BBA5-4216-9D20-084681B1F9D9}"/>
-              </a:ext>
-            </a:extLst>
-          </p:cNvPr>
-          <p:cNvCxnSpPr/>
-          <p:nvPr/>
-        </p:nvCxnSpPr>
-        <p:spPr>
-          <a:xfrm>
-            <a:off x="643467" y="2939146"/>
-            <a:ext cx="3363974" cy="0"/>
-          </a:xfrm>
-          <a:prstGeom prst="line">
-            <a:avLst/>
-          </a:prstGeom>
-          <a:ln w="19050">
-            <a:solidFill>
-              <a:srgbClr val="00B0F0"/>
-            </a:solidFill>
-          </a:ln>
-        </p:spPr>
-        <p:style>
-          <a:lnRef idx="1">
-            <a:schemeClr val="dk1"/>
-          </a:lnRef>
-          <a:fillRef idx="0">
-            <a:schemeClr val="dk1"/>
-          </a:fillRef>
-          <a:effectRef idx="0">
-            <a:schemeClr val="dk1"/>
-          </a:effectRef>
-          <a:fontRef idx="minor">
-            <a:schemeClr val="tx1"/>
-          </a:fontRef>
-        </p:style>
-      </p:cxnSp>
+        </p:txBody>
+      </p:sp>
     </p:spTree>
     <p:extLst>
       <p:ext uri="{BB962C8B-B14F-4D97-AF65-F5344CB8AC3E}">
-        <p14:creationId xmlns:p14="http://schemas.microsoft.com/office/powerpoint/2010/main" val="3278345358"/>
+        <p14:creationId xmlns:p14="http://schemas.microsoft.com/office/powerpoint/2010/main" val="2915369847"/>
       </p:ext>
     </p:extLst>
   </p:cSld>
@@ -10423,10 +10411,10 @@
       </p:sp>
       <p:pic>
         <p:nvPicPr>
-          <p:cNvPr id="9" name="Picture 8" descr="A close up of a map&#10;&#10;Description automatically generated">
-            <a:extLst>
-              <a:ext uri="{FF2B5EF4-FFF2-40B4-BE49-F238E27FC236}">
-                <a16:creationId xmlns:a16="http://schemas.microsoft.com/office/drawing/2014/main" id="{A9BA6E18-793B-43A0-ADB1-AC0C2395838B}"/>
+          <p:cNvPr id="6" name="Picture 5" descr="A close up of a map&#10;&#10;Description automatically generated">
+            <a:extLst>
+              <a:ext uri="{FF2B5EF4-FFF2-40B4-BE49-F238E27FC236}">
+                <a16:creationId xmlns:a16="http://schemas.microsoft.com/office/drawing/2014/main" id="{37A3F3BE-64DE-423B-B8A2-B277D45CB19E}"/>
               </a:ext>
             </a:extLst>
           </p:cNvPr>
@@ -10443,13 +10431,13 @@
               </a:ext>
             </a:extLst>
           </a:blip>
-          <a:srcRect l="6201" r="6765"/>
+          <a:srcRect l="3604" r="6656" b="5316"/>
           <a:stretch/>
         </p:blipFill>
         <p:spPr>
           <a:xfrm>
-            <a:off x="4898489" y="372278"/>
-            <a:ext cx="7293510" cy="6285078"/>
+            <a:off x="4663982" y="372278"/>
+            <a:ext cx="7528018" cy="5957080"/>
           </a:xfrm>
           <a:prstGeom prst="rect">
             <a:avLst/>
@@ -10458,10 +10446,10 @@
       </p:pic>
       <p:sp>
         <p:nvSpPr>
-          <p:cNvPr id="13" name="Title 1">
-            <a:extLst>
-              <a:ext uri="{FF2B5EF4-FFF2-40B4-BE49-F238E27FC236}">
-                <a16:creationId xmlns:a16="http://schemas.microsoft.com/office/drawing/2014/main" id="{75B7C38D-909C-45A3-B4D7-5F059C7EF02D}"/>
+          <p:cNvPr id="9" name="Title 1">
+            <a:extLst>
+              <a:ext uri="{FF2B5EF4-FFF2-40B4-BE49-F238E27FC236}">
+                <a16:creationId xmlns:a16="http://schemas.microsoft.com/office/drawing/2014/main" id="{F9AE0093-365B-4F50-8D74-D80CA1251654}"/>
               </a:ext>
             </a:extLst>
           </p:cNvPr>
@@ -10535,7 +10523,7 @@
                   <a:schemeClr val="bg1"/>
                 </a:solidFill>
               </a:rPr>
-              <a:t>GDP Rank</a:t>
+              <a:t>GDP</a:t>
             </a:r>
           </a:p>
           <a:p>
@@ -10564,10 +10552,10 @@
       </p:sp>
       <p:cxnSp>
         <p:nvCxnSpPr>
-          <p:cNvPr id="14" name="Straight Connector 13">
-            <a:extLst>
-              <a:ext uri="{FF2B5EF4-FFF2-40B4-BE49-F238E27FC236}">
-                <a16:creationId xmlns:a16="http://schemas.microsoft.com/office/drawing/2014/main" id="{7926698B-47C6-4630-8AE5-DEEA0B62E449}"/>
+          <p:cNvPr id="11" name="Straight Connector 10">
+            <a:extLst>
+              <a:ext uri="{FF2B5EF4-FFF2-40B4-BE49-F238E27FC236}">
+                <a16:creationId xmlns:a16="http://schemas.microsoft.com/office/drawing/2014/main" id="{4BFE2E04-BBA5-4216-9D20-084681B1F9D9}"/>
               </a:ext>
             </a:extLst>
           </p:cNvPr>
@@ -10606,7 +10594,7 @@
     </p:spTree>
     <p:extLst>
       <p:ext uri="{BB962C8B-B14F-4D97-AF65-F5344CB8AC3E}">
-        <p14:creationId xmlns:p14="http://schemas.microsoft.com/office/powerpoint/2010/main" val="2150077279"/>
+        <p14:creationId xmlns:p14="http://schemas.microsoft.com/office/powerpoint/2010/main" val="3278345358"/>
       </p:ext>
     </p:extLst>
   </p:cSld>
@@ -10713,6 +10701,293 @@
           <p:cNvPr id="9" name="Picture 8" descr="A close up of a map&#10;&#10;Description automatically generated">
             <a:extLst>
               <a:ext uri="{FF2B5EF4-FFF2-40B4-BE49-F238E27FC236}">
+                <a16:creationId xmlns:a16="http://schemas.microsoft.com/office/drawing/2014/main" id="{A9BA6E18-793B-43A0-ADB1-AC0C2395838B}"/>
+              </a:ext>
+            </a:extLst>
+          </p:cNvPr>
+          <p:cNvPicPr>
+            <a:picLocks noChangeAspect="1"/>
+          </p:cNvPicPr>
+          <p:nvPr/>
+        </p:nvPicPr>
+        <p:blipFill rotWithShape="1">
+          <a:blip r:embed="rId2">
+            <a:extLst>
+              <a:ext uri="{28A0092B-C50C-407E-A947-70E740481C1C}">
+                <a14:useLocalDpi xmlns:a14="http://schemas.microsoft.com/office/drawing/2010/main" val="0"/>
+              </a:ext>
+            </a:extLst>
+          </a:blip>
+          <a:srcRect l="6201" r="6765"/>
+          <a:stretch/>
+        </p:blipFill>
+        <p:spPr>
+          <a:xfrm>
+            <a:off x="4898489" y="372278"/>
+            <a:ext cx="7293510" cy="6285078"/>
+          </a:xfrm>
+          <a:prstGeom prst="rect">
+            <a:avLst/>
+          </a:prstGeom>
+        </p:spPr>
+      </p:pic>
+      <p:sp>
+        <p:nvSpPr>
+          <p:cNvPr id="13" name="Title 1">
+            <a:extLst>
+              <a:ext uri="{FF2B5EF4-FFF2-40B4-BE49-F238E27FC236}">
+                <a16:creationId xmlns:a16="http://schemas.microsoft.com/office/drawing/2014/main" id="{75B7C38D-909C-45A3-B4D7-5F059C7EF02D}"/>
+              </a:ext>
+            </a:extLst>
+          </p:cNvPr>
+          <p:cNvSpPr txBox="1">
+            <a:spLocks/>
+          </p:cNvSpPr>
+          <p:nvPr/>
+        </p:nvSpPr>
+        <p:spPr>
+          <a:xfrm>
+            <a:off x="428009" y="1828476"/>
+            <a:ext cx="3798277" cy="3044683"/>
+          </a:xfrm>
+          <a:prstGeom prst="rect">
+            <a:avLst/>
+          </a:prstGeom>
+          <a:noFill/>
+          <a:ln w="19050">
+            <a:solidFill>
+              <a:schemeClr val="bg1"/>
+            </a:solidFill>
+          </a:ln>
+        </p:spPr>
+        <p:txBody>
+          <a:bodyPr vert="horz" wrap="square" lIns="91440" tIns="45720" rIns="91440" bIns="45720" rtlCol="0" anchor="ctr">
+            <a:normAutofit/>
+          </a:bodyPr>
+          <a:lstStyle>
+            <a:lvl1pPr algn="l" defTabSz="914400" rtl="0" eaLnBrk="1" latinLnBrk="0" hangingPunct="1">
+              <a:lnSpc>
+                <a:spcPct val="90000"/>
+              </a:lnSpc>
+              <a:spcBef>
+                <a:spcPct val="0"/>
+              </a:spcBef>
+              <a:buNone/>
+              <a:defRPr sz="4400" kern="1200">
+                <a:solidFill>
+                  <a:schemeClr val="tx1"/>
+                </a:solidFill>
+                <a:latin typeface="+mj-lt"/>
+                <a:ea typeface="+mj-ea"/>
+                <a:cs typeface="+mj-cs"/>
+              </a:defRPr>
+            </a:lvl1pPr>
+          </a:lstStyle>
+          <a:p>
+            <a:pPr algn="ctr"/>
+            <a:r>
+              <a:rPr lang="en-US" sz="3600" dirty="0">
+                <a:solidFill>
+                  <a:srgbClr val="00B0F0"/>
+                </a:solidFill>
+              </a:rPr>
+              <a:t>COMPARISON</a:t>
+            </a:r>
+          </a:p>
+          <a:p>
+            <a:pPr algn="ctr"/>
+            <a:endParaRPr lang="en-US" sz="2800" dirty="0">
+              <a:solidFill>
+                <a:schemeClr val="bg1"/>
+              </a:solidFill>
+            </a:endParaRPr>
+          </a:p>
+          <a:p>
+            <a:pPr algn="ctr"/>
+            <a:r>
+              <a:rPr lang="en-US" sz="2800" dirty="0">
+                <a:solidFill>
+                  <a:schemeClr val="bg1"/>
+                </a:solidFill>
+              </a:rPr>
+              <a:t>GDP Rank</a:t>
+            </a:r>
+          </a:p>
+          <a:p>
+            <a:pPr algn="ctr"/>
+            <a:r>
+              <a:rPr lang="en-US" sz="2800" dirty="0">
+                <a:solidFill>
+                  <a:schemeClr val="bg1"/>
+                </a:solidFill>
+              </a:rPr>
+              <a:t>&amp;</a:t>
+            </a:r>
+          </a:p>
+          <a:p>
+            <a:pPr algn="ctr"/>
+            <a:r>
+              <a:rPr lang="en-US" sz="2800" dirty="0">
+                <a:solidFill>
+                  <a:schemeClr val="bg1"/>
+                </a:solidFill>
+              </a:rPr>
+              <a:t>Economic Freedom Score</a:t>
+            </a:r>
+          </a:p>
+        </p:txBody>
+      </p:sp>
+      <p:cxnSp>
+        <p:nvCxnSpPr>
+          <p:cNvPr id="14" name="Straight Connector 13">
+            <a:extLst>
+              <a:ext uri="{FF2B5EF4-FFF2-40B4-BE49-F238E27FC236}">
+                <a16:creationId xmlns:a16="http://schemas.microsoft.com/office/drawing/2014/main" id="{7926698B-47C6-4630-8AE5-DEEA0B62E449}"/>
+              </a:ext>
+            </a:extLst>
+          </p:cNvPr>
+          <p:cNvCxnSpPr/>
+          <p:nvPr/>
+        </p:nvCxnSpPr>
+        <p:spPr>
+          <a:xfrm>
+            <a:off x="643467" y="2939146"/>
+            <a:ext cx="3363974" cy="0"/>
+          </a:xfrm>
+          <a:prstGeom prst="line">
+            <a:avLst/>
+          </a:prstGeom>
+          <a:ln w="19050">
+            <a:solidFill>
+              <a:srgbClr val="00B0F0"/>
+            </a:solidFill>
+          </a:ln>
+        </p:spPr>
+        <p:style>
+          <a:lnRef idx="1">
+            <a:schemeClr val="dk1"/>
+          </a:lnRef>
+          <a:fillRef idx="0">
+            <a:schemeClr val="dk1"/>
+          </a:fillRef>
+          <a:effectRef idx="0">
+            <a:schemeClr val="dk1"/>
+          </a:effectRef>
+          <a:fontRef idx="minor">
+            <a:schemeClr val="tx1"/>
+          </a:fontRef>
+        </p:style>
+      </p:cxnSp>
+    </p:spTree>
+    <p:extLst>
+      <p:ext uri="{BB962C8B-B14F-4D97-AF65-F5344CB8AC3E}">
+        <p14:creationId xmlns:p14="http://schemas.microsoft.com/office/powerpoint/2010/main" val="2150077279"/>
+      </p:ext>
+    </p:extLst>
+  </p:cSld>
+  <p:clrMapOvr>
+    <a:masterClrMapping/>
+  </p:clrMapOvr>
+  <p:transition>
+    <p:split orient="vert"/>
+  </p:transition>
+</p:sld>
+</file>
+
+<file path=ppt/slides/slide7.xml><?xml version="1.0" encoding="utf-8"?>
+<p:sld xmlns:a="http://schemas.openxmlformats.org/drawingml/2006/main" xmlns:r="http://schemas.openxmlformats.org/officeDocument/2006/relationships" xmlns:p="http://schemas.openxmlformats.org/presentationml/2006/main">
+  <p:cSld>
+    <p:bg>
+      <p:bgPr>
+        <a:solidFill>
+          <a:schemeClr val="bg1"/>
+        </a:solidFill>
+        <a:effectLst/>
+      </p:bgPr>
+    </p:bg>
+    <p:spTree>
+      <p:nvGrpSpPr>
+        <p:cNvPr id="1" name=""/>
+        <p:cNvGrpSpPr/>
+        <p:nvPr/>
+      </p:nvGrpSpPr>
+      <p:grpSpPr>
+        <a:xfrm>
+          <a:off x="0" y="0"/>
+          <a:ext cx="0" cy="0"/>
+          <a:chOff x="0" y="0"/>
+          <a:chExt cx="0" cy="0"/>
+        </a:xfrm>
+      </p:grpSpPr>
+      <p:sp>
+        <p:nvSpPr>
+          <p:cNvPr id="20" name="Rectangle 19">
+            <a:extLst>
+              <a:ext uri="{FF2B5EF4-FFF2-40B4-BE49-F238E27FC236}">
+                <a16:creationId xmlns:a16="http://schemas.microsoft.com/office/drawing/2014/main" id="{867D4867-5BA7-4462-B2F6-A23F4A622AA7}"/>
+              </a:ext>
+              <a:ext uri="{C183D7F6-B498-43B3-948B-1728B52AA6E4}">
+                <adec:decorative xmlns:adec="http://schemas.microsoft.com/office/drawing/2017/decorative" val="1"/>
+              </a:ext>
+            </a:extLst>
+          </p:cNvPr>
+          <p:cNvSpPr>
+            <a:spLocks noGrp="1" noRot="1" noChangeAspect="1" noMove="1" noResize="1" noEditPoints="1" noAdjustHandles="1" noChangeArrowheads="1" noChangeShapeType="1" noTextEdit="1"/>
+          </p:cNvSpPr>
+          <p:nvPr>
+            <p:extLst>
+              <p:ext uri="{386F3935-93C4-4BCD-93E2-E3B085C9AB24}">
+                <p16:designElem xmlns:p16="http://schemas.microsoft.com/office/powerpoint/2015/main" val="1"/>
+              </p:ext>
+            </p:extLst>
+          </p:nvPr>
+        </p:nvSpPr>
+        <p:spPr>
+          <a:xfrm>
+            <a:off x="0" y="0"/>
+            <a:ext cx="4654296" cy="6858000"/>
+          </a:xfrm>
+          <a:prstGeom prst="rect">
+            <a:avLst/>
+          </a:prstGeom>
+          <a:solidFill>
+            <a:schemeClr val="tx1">
+              <a:lumMod val="75000"/>
+              <a:lumOff val="25000"/>
+            </a:schemeClr>
+          </a:solidFill>
+          <a:ln>
+            <a:noFill/>
+          </a:ln>
+        </p:spPr>
+        <p:style>
+          <a:lnRef idx="0">
+            <a:scrgbClr r="0" g="0" b="0"/>
+          </a:lnRef>
+          <a:fillRef idx="0">
+            <a:scrgbClr r="0" g="0" b="0"/>
+          </a:fillRef>
+          <a:effectRef idx="0">
+            <a:scrgbClr r="0" g="0" b="0"/>
+          </a:effectRef>
+          <a:fontRef idx="minor">
+            <a:schemeClr val="lt1"/>
+          </a:fontRef>
+        </p:style>
+        <p:txBody>
+          <a:bodyPr rtlCol="0" anchor="ctr"/>
+          <a:lstStyle/>
+          <a:p>
+            <a:pPr algn="ctr"/>
+            <a:endParaRPr lang="en-US"/>
+          </a:p>
+        </p:txBody>
+      </p:sp>
+      <p:pic>
+        <p:nvPicPr>
+          <p:cNvPr id="9" name="Picture 8" descr="A close up of a map&#10;&#10;Description automatically generated">
+            <a:extLst>
+              <a:ext uri="{FF2B5EF4-FFF2-40B4-BE49-F238E27FC236}">
                 <a16:creationId xmlns:a16="http://schemas.microsoft.com/office/drawing/2014/main" id="{C67826A4-6BAB-48E7-892F-182E8FF3A265}"/>
               </a:ext>
             </a:extLst>
@@ -10906,150 +11181,6 @@
 </p:sld>
 </file>
 
-<file path=ppt/slides/slide7.xml><?xml version="1.0" encoding="utf-8"?>
-<p:sld xmlns:a="http://schemas.openxmlformats.org/drawingml/2006/main" xmlns:r="http://schemas.openxmlformats.org/officeDocument/2006/relationships" xmlns:p="http://schemas.openxmlformats.org/presentationml/2006/main" show="0">
-  <p:cSld>
-    <p:spTree>
-      <p:nvGrpSpPr>
-        <p:cNvPr id="1" name=""/>
-        <p:cNvGrpSpPr/>
-        <p:nvPr/>
-      </p:nvGrpSpPr>
-      <p:grpSpPr>
-        <a:xfrm>
-          <a:off x="0" y="0"/>
-          <a:ext cx="0" cy="0"/>
-          <a:chOff x="0" y="0"/>
-          <a:chExt cx="0" cy="0"/>
-        </a:xfrm>
-      </p:grpSpPr>
-      <p:sp>
-        <p:nvSpPr>
-          <p:cNvPr id="2" name="Title 1">
-            <a:extLst>
-              <a:ext uri="{FF2B5EF4-FFF2-40B4-BE49-F238E27FC236}">
-                <a16:creationId xmlns:a16="http://schemas.microsoft.com/office/drawing/2014/main" id="{9B60250B-25A8-2644-8E4B-8899ED5861D4}"/>
-              </a:ext>
-            </a:extLst>
-          </p:cNvPr>
-          <p:cNvSpPr>
-            <a:spLocks noGrp="1"/>
-          </p:cNvSpPr>
-          <p:nvPr>
-            <p:ph type="title"/>
-          </p:nvPr>
-        </p:nvSpPr>
-        <p:spPr>
-          <a:xfrm>
-            <a:off x="443672" y="2380302"/>
-            <a:ext cx="3798277" cy="1597315"/>
-          </a:xfrm>
-          <a:noFill/>
-          <a:ln w="19050">
-            <a:solidFill>
-              <a:schemeClr val="bg1"/>
-            </a:solidFill>
-          </a:ln>
-        </p:spPr>
-        <p:txBody>
-          <a:bodyPr wrap="square">
-            <a:normAutofit/>
-          </a:bodyPr>
-          <a:lstStyle/>
-          <a:p>
-            <a:pPr algn="ctr"/>
-            <a:r>
-              <a:rPr lang="en-US" sz="2800" dirty="0">
-                <a:solidFill>
-                  <a:schemeClr val="bg1"/>
-                </a:solidFill>
-              </a:rPr>
-              <a:t>Gross Domestic Product</a:t>
-            </a:r>
-            <a:br>
-              <a:rPr lang="en-US" sz="2800" dirty="0">
-                <a:solidFill>
-                  <a:schemeClr val="bg1"/>
-                </a:solidFill>
-              </a:rPr>
-            </a:br>
-            <a:r>
-              <a:rPr lang="en-US" sz="2800" dirty="0">
-                <a:solidFill>
-                  <a:schemeClr val="bg1"/>
-                </a:solidFill>
-              </a:rPr>
-              <a:t>&amp;</a:t>
-            </a:r>
-            <a:br>
-              <a:rPr lang="en-US" sz="2800" dirty="0">
-                <a:solidFill>
-                  <a:schemeClr val="bg1"/>
-                </a:solidFill>
-              </a:rPr>
-            </a:br>
-            <a:r>
-              <a:rPr lang="en-US" sz="2800" dirty="0">
-                <a:solidFill>
-                  <a:schemeClr val="bg1"/>
-                </a:solidFill>
-              </a:rPr>
-              <a:t>Economic Freedom Index</a:t>
-            </a:r>
-          </a:p>
-        </p:txBody>
-      </p:sp>
-      <p:pic>
-        <p:nvPicPr>
-          <p:cNvPr id="9" name="Picture 8" descr="A close up of a map&#10;&#10;Description automatically generated">
-            <a:extLst>
-              <a:ext uri="{FF2B5EF4-FFF2-40B4-BE49-F238E27FC236}">
-                <a16:creationId xmlns:a16="http://schemas.microsoft.com/office/drawing/2014/main" id="{FDA893AC-10F5-4167-AD72-CEC407F124B0}"/>
-              </a:ext>
-            </a:extLst>
-          </p:cNvPr>
-          <p:cNvPicPr>
-            <a:picLocks noChangeAspect="1"/>
-          </p:cNvPicPr>
-          <p:nvPr/>
-        </p:nvPicPr>
-        <p:blipFill rotWithShape="1">
-          <a:blip r:embed="rId2">
-            <a:extLst>
-              <a:ext uri="{28A0092B-C50C-407E-A947-70E740481C1C}">
-                <a14:useLocalDpi xmlns:a14="http://schemas.microsoft.com/office/drawing/2010/main" val="0"/>
-              </a:ext>
-            </a:extLst>
-          </a:blip>
-          <a:srcRect l="3604" r="6656" b="5316"/>
-          <a:stretch/>
-        </p:blipFill>
-        <p:spPr>
-          <a:xfrm>
-            <a:off x="1865197" y="88711"/>
-            <a:ext cx="8200856" cy="6489511"/>
-          </a:xfrm>
-          <a:prstGeom prst="rect">
-            <a:avLst/>
-          </a:prstGeom>
-        </p:spPr>
-      </p:pic>
-    </p:spTree>
-    <p:extLst>
-      <p:ext uri="{BB962C8B-B14F-4D97-AF65-F5344CB8AC3E}">
-        <p14:creationId xmlns:p14="http://schemas.microsoft.com/office/powerpoint/2010/main" val="1903585018"/>
-      </p:ext>
-    </p:extLst>
-  </p:cSld>
-  <p:clrMapOvr>
-    <a:masterClrMapping/>
-  </p:clrMapOvr>
-  <p:transition>
-    <p:split orient="vert"/>
-  </p:transition>
-</p:sld>
-</file>
-
 <file path=ppt/slides/slide8.xml><?xml version="1.0" encoding="utf-8"?>
 <p:sld xmlns:a="http://schemas.openxmlformats.org/drawingml/2006/main" xmlns:r="http://schemas.openxmlformats.org/officeDocument/2006/relationships" xmlns:p="http://schemas.openxmlformats.org/presentationml/2006/main" show="0">
   <p:cSld>
@@ -11067,12 +11198,88 @@
           <a:chExt cx="0" cy="0"/>
         </a:xfrm>
       </p:grpSpPr>
+      <p:sp>
+        <p:nvSpPr>
+          <p:cNvPr id="2" name="Title 1">
+            <a:extLst>
+              <a:ext uri="{FF2B5EF4-FFF2-40B4-BE49-F238E27FC236}">
+                <a16:creationId xmlns:a16="http://schemas.microsoft.com/office/drawing/2014/main" id="{9B60250B-25A8-2644-8E4B-8899ED5861D4}"/>
+              </a:ext>
+            </a:extLst>
+          </p:cNvPr>
+          <p:cNvSpPr>
+            <a:spLocks noGrp="1"/>
+          </p:cNvSpPr>
+          <p:nvPr>
+            <p:ph type="title"/>
+          </p:nvPr>
+        </p:nvSpPr>
+        <p:spPr>
+          <a:xfrm>
+            <a:off x="443672" y="2380302"/>
+            <a:ext cx="3798277" cy="1597315"/>
+          </a:xfrm>
+          <a:noFill/>
+          <a:ln w="19050">
+            <a:solidFill>
+              <a:schemeClr val="bg1"/>
+            </a:solidFill>
+          </a:ln>
+        </p:spPr>
+        <p:txBody>
+          <a:bodyPr wrap="square">
+            <a:normAutofit/>
+          </a:bodyPr>
+          <a:lstStyle/>
+          <a:p>
+            <a:pPr algn="ctr"/>
+            <a:r>
+              <a:rPr lang="en-US" sz="2800" dirty="0">
+                <a:solidFill>
+                  <a:schemeClr val="bg1"/>
+                </a:solidFill>
+              </a:rPr>
+              <a:t>Gross Domestic Product</a:t>
+            </a:r>
+            <a:br>
+              <a:rPr lang="en-US" sz="2800" dirty="0">
+                <a:solidFill>
+                  <a:schemeClr val="bg1"/>
+                </a:solidFill>
+              </a:rPr>
+            </a:br>
+            <a:r>
+              <a:rPr lang="en-US" sz="2800" dirty="0">
+                <a:solidFill>
+                  <a:schemeClr val="bg1"/>
+                </a:solidFill>
+              </a:rPr>
+              <a:t>&amp;</a:t>
+            </a:r>
+            <a:br>
+              <a:rPr lang="en-US" sz="2800" dirty="0">
+                <a:solidFill>
+                  <a:schemeClr val="bg1"/>
+                </a:solidFill>
+              </a:rPr>
+            </a:br>
+            <a:r>
+              <a:rPr lang="en-US" sz="2800" dirty="0">
+                <a:solidFill>
+                  <a:schemeClr val="bg1"/>
+                </a:solidFill>
+              </a:rPr>
+              <a:t>Economic Freedom Index</a:t>
+            </a:r>
+          </a:p>
+        </p:txBody>
+      </p:sp>
       <p:pic>
         <p:nvPicPr>
-          <p:cNvPr id="6" name="Picture 5" descr="A close up of a map&#10;&#10;Description automatically generated">
-            <a:extLst>
-              <a:ext uri="{FF2B5EF4-FFF2-40B4-BE49-F238E27FC236}">
-                <a16:creationId xmlns:a16="http://schemas.microsoft.com/office/drawing/2014/main" id="{FF5AD8E3-103F-4F8E-8A5F-BABE9907F84F}"/>
+          <p:cNvPr id="9" name="Picture 8" descr="A close up of a map&#10;&#10;Description automatically generated">
+            <a:extLst>
+              <a:ext uri="{FF2B5EF4-FFF2-40B4-BE49-F238E27FC236}">
+                <a16:creationId xmlns:a16="http://schemas.microsoft.com/office/drawing/2014/main" id="{FDA893AC-10F5-4167-AD72-CEC407F124B0}"/>
               </a:ext>
             </a:extLst>
           </p:cNvPr>
@@ -11089,13 +11296,13 @@
               </a:ext>
             </a:extLst>
           </a:blip>
-          <a:srcRect b="1194"/>
+          <a:srcRect l="3604" r="6656" b="5316"/>
           <a:stretch/>
         </p:blipFill>
         <p:spPr>
           <a:xfrm>
-            <a:off x="1524000" y="81888"/>
-            <a:ext cx="9144000" cy="6776112"/>
+            <a:off x="1865197" y="88711"/>
+            <a:ext cx="8200856" cy="6489511"/>
           </a:xfrm>
           <a:prstGeom prst="rect">
             <a:avLst/>
@@ -11105,7 +11312,7 @@
     </p:spTree>
     <p:extLst>
       <p:ext uri="{BB962C8B-B14F-4D97-AF65-F5344CB8AC3E}">
-        <p14:creationId xmlns:p14="http://schemas.microsoft.com/office/powerpoint/2010/main" val="4220370611"/>
+        <p14:creationId xmlns:p14="http://schemas.microsoft.com/office/powerpoint/2010/main" val="1903585018"/>
       </p:ext>
     </p:extLst>
   </p:cSld>
@@ -11140,7 +11347,7 @@
           <p:cNvPr id="6" name="Picture 5" descr="A close up of a map&#10;&#10;Description automatically generated">
             <a:extLst>
               <a:ext uri="{FF2B5EF4-FFF2-40B4-BE49-F238E27FC236}">
-                <a16:creationId xmlns:a16="http://schemas.microsoft.com/office/drawing/2014/main" id="{2575CD47-EBA3-4849-B18C-E9ED684DA7BA}"/>
+                <a16:creationId xmlns:a16="http://schemas.microsoft.com/office/drawing/2014/main" id="{FF5AD8E3-103F-4F8E-8A5F-BABE9907F84F}"/>
               </a:ext>
             </a:extLst>
           </p:cNvPr>
@@ -11173,7 +11380,7 @@
     </p:spTree>
     <p:extLst>
       <p:ext uri="{BB962C8B-B14F-4D97-AF65-F5344CB8AC3E}">
-        <p14:creationId xmlns:p14="http://schemas.microsoft.com/office/powerpoint/2010/main" val="58592940"/>
+        <p14:creationId xmlns:p14="http://schemas.microsoft.com/office/powerpoint/2010/main" val="4220370611"/>
       </p:ext>
     </p:extLst>
   </p:cSld>
